--- a/Test.pptx
+++ b/Test.pptx
@@ -4,6 +4,9 @@
   <p:sldMasterIdLst>
     <p:sldMasterId id="2147483648" r:id="rId1"/>
   </p:sldMasterIdLst>
+  <p:notesMasterIdLst>
+    <p:notesMasterId r:id="rId3"/>
+  </p:notesMasterIdLst>
   <p:sldIdLst>
     <p:sldId id="256" r:id="rId2"/>
   </p:sldIdLst>
@@ -104,7 +107,766 @@
       </a:defRPr>
     </a:lvl9pPr>
   </p:defaultTextStyle>
+  <p:extLst>
+    <p:ext uri="{EFAFB233-063F-42B5-8137-9DF3F51BA10A}">
+      <p15:sldGuideLst xmlns:p15="http://schemas.microsoft.com/office/powerpoint/2012/main"/>
+    </p:ext>
+  </p:extLst>
 </p:presentation>
+</file>
+
+<file path=ppt/revisionInfo.xml><?xml version="1.0" encoding="utf-8"?>
+<p1510:revInfo xmlns:a="http://schemas.openxmlformats.org/drawingml/2006/main" xmlns:r="http://schemas.openxmlformats.org/officeDocument/2006/relationships" xmlns:p1510="http://schemas.microsoft.com/office/powerpoint/2015/10/main">
+  <p1510:revLst>
+    <p1510:client id="{DB73D6CF-4F2D-473F-BD00-F334C0FE62D6}" v="161" dt="2024-04-25T12:46:21.828"/>
+  </p1510:revLst>
+</p1510:revInfo>
+</file>
+
+<file path=ppt/changesInfos/changesInfo1.xml><?xml version="1.0" encoding="utf-8"?>
+<pc:chgInfo xmlns:a="http://schemas.openxmlformats.org/drawingml/2006/main" xmlns:r="http://schemas.openxmlformats.org/officeDocument/2006/relationships" xmlns:ac="http://schemas.microsoft.com/office/drawing/2013/main/command" xmlns:pc="http://schemas.microsoft.com/office/powerpoint/2013/main/command">
+  <pc:docChgLst>
+    <pc:chgData name="Rose Campos" userId="ea77ee4111b22c87" providerId="LiveId" clId="{DB73D6CF-4F2D-473F-BD00-F334C0FE62D6}"/>
+    <pc:docChg chg="undo custSel addMainMaster delMainMaster modMainMaster">
+      <pc:chgData name="Rose Campos" userId="ea77ee4111b22c87" providerId="LiveId" clId="{DB73D6CF-4F2D-473F-BD00-F334C0FE62D6}" dt="2024-04-25T12:46:21.828" v="256"/>
+      <pc:docMkLst>
+        <pc:docMk/>
+      </pc:docMkLst>
+      <pc:sldMasterChg chg="addSp delSp modSp mod setBg addSldLayout delSldLayout modSldLayout">
+        <pc:chgData name="Rose Campos" userId="ea77ee4111b22c87" providerId="LiveId" clId="{DB73D6CF-4F2D-473F-BD00-F334C0FE62D6}" dt="2024-04-25T12:46:21.828" v="256"/>
+        <pc:sldMasterMkLst>
+          <pc:docMk/>
+          <pc:sldMasterMk cId="1759527136" sldId="2147483648"/>
+        </pc:sldMasterMkLst>
+        <pc:spChg chg="mod">
+          <ac:chgData name="Rose Campos" userId="ea77ee4111b22c87" providerId="LiveId" clId="{DB73D6CF-4F2D-473F-BD00-F334C0FE62D6}" dt="2024-04-25T12:30:04.613" v="237" actId="255"/>
+          <ac:spMkLst>
+            <pc:docMk/>
+            <pc:sldMasterMk cId="1759527136" sldId="2147483648"/>
+            <ac:spMk id="3" creationId="{C9F74A37-C606-BDF9-BA0A-EE9182B202F4}"/>
+          </ac:spMkLst>
+        </pc:spChg>
+        <pc:spChg chg="del">
+          <ac:chgData name="Rose Campos" userId="ea77ee4111b22c87" providerId="LiveId" clId="{DB73D6CF-4F2D-473F-BD00-F334C0FE62D6}" dt="2024-04-25T12:12:34.155" v="15" actId="478"/>
+          <ac:spMkLst>
+            <pc:docMk/>
+            <pc:sldMasterMk cId="1759527136" sldId="2147483648"/>
+            <ac:spMk id="4" creationId="{A303320D-CBC1-CC99-B99F-79E090FCA54E}"/>
+          </ac:spMkLst>
+        </pc:spChg>
+        <pc:spChg chg="del">
+          <ac:chgData name="Rose Campos" userId="ea77ee4111b22c87" providerId="LiveId" clId="{DB73D6CF-4F2D-473F-BD00-F334C0FE62D6}" dt="2024-04-25T12:15:53.743" v="29" actId="478"/>
+          <ac:spMkLst>
+            <pc:docMk/>
+            <pc:sldMasterMk cId="1759527136" sldId="2147483648"/>
+            <ac:spMk id="5" creationId="{D903B7BF-9A9E-6D86-8739-4D3AAD8C19AD}"/>
+          </ac:spMkLst>
+        </pc:spChg>
+        <pc:spChg chg="del mod">
+          <ac:chgData name="Rose Campos" userId="ea77ee4111b22c87" providerId="LiveId" clId="{DB73D6CF-4F2D-473F-BD00-F334C0FE62D6}" dt="2024-04-25T12:13:32.505" v="27" actId="478"/>
+          <ac:spMkLst>
+            <pc:docMk/>
+            <pc:sldMasterMk cId="1759527136" sldId="2147483648"/>
+            <ac:spMk id="6" creationId="{D5578A5A-2A7D-3729-8E63-7720E222A61B}"/>
+          </ac:spMkLst>
+        </pc:spChg>
+        <pc:spChg chg="add mod">
+          <ac:chgData name="Rose Campos" userId="ea77ee4111b22c87" providerId="LiveId" clId="{DB73D6CF-4F2D-473F-BD00-F334C0FE62D6}" dt="2024-04-25T12:12:30.653" v="14" actId="1076"/>
+          <ac:spMkLst>
+            <pc:docMk/>
+            <pc:sldMasterMk cId="1759527136" sldId="2147483648"/>
+            <ac:spMk id="8" creationId="{019E6193-8C6F-6316-A214-67A6A4516A33}"/>
+          </ac:spMkLst>
+        </pc:spChg>
+        <pc:spChg chg="add mod">
+          <ac:chgData name="Rose Campos" userId="ea77ee4111b22c87" providerId="LiveId" clId="{DB73D6CF-4F2D-473F-BD00-F334C0FE62D6}" dt="2024-04-25T12:46:21.828" v="256"/>
+          <ac:spMkLst>
+            <pc:docMk/>
+            <pc:sldMasterMk cId="1759527136" sldId="2147483648"/>
+            <ac:spMk id="9" creationId="{E2F28948-B8AC-40D2-682F-E0F43E63F7DB}"/>
+          </ac:spMkLst>
+        </pc:spChg>
+        <pc:grpChg chg="add del mod">
+          <ac:chgData name="Rose Campos" userId="ea77ee4111b22c87" providerId="LiveId" clId="{DB73D6CF-4F2D-473F-BD00-F334C0FE62D6}" dt="2024-04-25T12:45:49.239" v="253" actId="478"/>
+          <ac:grpSpMkLst>
+            <pc:docMk/>
+            <pc:sldMasterMk cId="1759527136" sldId="2147483648"/>
+            <ac:grpSpMk id="4" creationId="{61FFF5D5-EB50-34B6-FFB9-0CC6EC25F05A}"/>
+          </ac:grpSpMkLst>
+        </pc:grpChg>
+        <pc:grpChg chg="add mod">
+          <ac:chgData name="Rose Campos" userId="ea77ee4111b22c87" providerId="LiveId" clId="{DB73D6CF-4F2D-473F-BD00-F334C0FE62D6}" dt="2024-04-25T12:43:27.965" v="249" actId="1076"/>
+          <ac:grpSpMkLst>
+            <pc:docMk/>
+            <pc:sldMasterMk cId="1759527136" sldId="2147483648"/>
+            <ac:grpSpMk id="5" creationId="{D87BA2D8-9332-D722-8E1F-C20F1DE10E6A}"/>
+          </ac:grpSpMkLst>
+        </pc:grpChg>
+        <pc:picChg chg="del">
+          <ac:chgData name="Rose Campos" userId="ea77ee4111b22c87" providerId="LiveId" clId="{DB73D6CF-4F2D-473F-BD00-F334C0FE62D6}" dt="2024-04-25T12:11:34.124" v="4" actId="478"/>
+          <ac:picMkLst>
+            <pc:docMk/>
+            <pc:sldMasterMk cId="1759527136" sldId="2147483648"/>
+            <ac:picMk id="7" creationId="{5F3B6B81-6805-3B38-4F75-DE46A035B4E7}"/>
+          </ac:picMkLst>
+        </pc:picChg>
+        <pc:picChg chg="add del mod">
+          <ac:chgData name="Rose Campos" userId="ea77ee4111b22c87" providerId="LiveId" clId="{DB73D6CF-4F2D-473F-BD00-F334C0FE62D6}" dt="2024-04-25T12:24:24.539" v="181" actId="21"/>
+          <ac:picMkLst>
+            <pc:docMk/>
+            <pc:sldMasterMk cId="1759527136" sldId="2147483648"/>
+            <ac:picMk id="15" creationId="{86E96141-4F69-10A8-42B0-B8CAA7AB94F7}"/>
+          </ac:picMkLst>
+        </pc:picChg>
+        <pc:cxnChg chg="mod">
+          <ac:chgData name="Rose Campos" userId="ea77ee4111b22c87" providerId="LiveId" clId="{DB73D6CF-4F2D-473F-BD00-F334C0FE62D6}" dt="2024-04-25T12:43:15.200" v="246"/>
+          <ac:cxnSpMkLst>
+            <pc:docMk/>
+            <pc:sldMasterMk cId="1759527136" sldId="2147483648"/>
+            <ac:cxnSpMk id="6" creationId="{BD32DB13-A2D5-7FAE-CD55-D1D97248EBD0}"/>
+          </ac:cxnSpMkLst>
+        </pc:cxnChg>
+        <pc:cxnChg chg="mod">
+          <ac:chgData name="Rose Campos" userId="ea77ee4111b22c87" providerId="LiveId" clId="{DB73D6CF-4F2D-473F-BD00-F334C0FE62D6}" dt="2024-04-25T12:43:15.200" v="246"/>
+          <ac:cxnSpMkLst>
+            <pc:docMk/>
+            <pc:sldMasterMk cId="1759527136" sldId="2147483648"/>
+            <ac:cxnSpMk id="7" creationId="{76BAA9DF-5596-0B10-4EA7-A0C0657A0387}"/>
+          </ac:cxnSpMkLst>
+        </pc:cxnChg>
+        <pc:cxnChg chg="mod">
+          <ac:chgData name="Rose Campos" userId="ea77ee4111b22c87" providerId="LiveId" clId="{DB73D6CF-4F2D-473F-BD00-F334C0FE62D6}" dt="2024-04-25T12:43:15.200" v="246"/>
+          <ac:cxnSpMkLst>
+            <pc:docMk/>
+            <pc:sldMasterMk cId="1759527136" sldId="2147483648"/>
+            <ac:cxnSpMk id="10" creationId="{0CFF5FEC-5C9A-595D-182C-61FA9A580993}"/>
+          </ac:cxnSpMkLst>
+        </pc:cxnChg>
+        <pc:cxnChg chg="add mod">
+          <ac:chgData name="Rose Campos" userId="ea77ee4111b22c87" providerId="LiveId" clId="{DB73D6CF-4F2D-473F-BD00-F334C0FE62D6}" dt="2024-04-25T12:43:13.586" v="245" actId="164"/>
+          <ac:cxnSpMkLst>
+            <pc:docMk/>
+            <pc:sldMasterMk cId="1759527136" sldId="2147483648"/>
+            <ac:cxnSpMk id="11" creationId="{F2EA033E-EED2-D047-C5D1-0ADFBA71D57A}"/>
+          </ac:cxnSpMkLst>
+        </pc:cxnChg>
+        <pc:cxnChg chg="add mod">
+          <ac:chgData name="Rose Campos" userId="ea77ee4111b22c87" providerId="LiveId" clId="{DB73D6CF-4F2D-473F-BD00-F334C0FE62D6}" dt="2024-04-25T12:43:13.586" v="245" actId="164"/>
+          <ac:cxnSpMkLst>
+            <pc:docMk/>
+            <pc:sldMasterMk cId="1759527136" sldId="2147483648"/>
+            <ac:cxnSpMk id="12" creationId="{742751DB-1123-15D4-7E94-DB7751508E8D}"/>
+          </ac:cxnSpMkLst>
+        </pc:cxnChg>
+        <pc:cxnChg chg="add mod">
+          <ac:chgData name="Rose Campos" userId="ea77ee4111b22c87" providerId="LiveId" clId="{DB73D6CF-4F2D-473F-BD00-F334C0FE62D6}" dt="2024-04-25T12:43:13.586" v="245" actId="164"/>
+          <ac:cxnSpMkLst>
+            <pc:docMk/>
+            <pc:sldMasterMk cId="1759527136" sldId="2147483648"/>
+            <ac:cxnSpMk id="13" creationId="{AF726522-DBCC-E68E-012E-308D837DF947}"/>
+          </ac:cxnSpMkLst>
+        </pc:cxnChg>
+        <pc:sldLayoutChg chg="addSp delSp modSp mod">
+          <pc:chgData name="Rose Campos" userId="ea77ee4111b22c87" providerId="LiveId" clId="{DB73D6CF-4F2D-473F-BD00-F334C0FE62D6}" dt="2024-04-25T12:45:57.360" v="255" actId="478"/>
+          <pc:sldLayoutMkLst>
+            <pc:docMk/>
+            <pc:sldMasterMk cId="1759527136" sldId="2147483648"/>
+            <pc:sldLayoutMk cId="272453280" sldId="2147483649"/>
+          </pc:sldLayoutMkLst>
+          <pc:spChg chg="del">
+            <ac:chgData name="Rose Campos" userId="ea77ee4111b22c87" providerId="LiveId" clId="{DB73D6CF-4F2D-473F-BD00-F334C0FE62D6}" dt="2024-04-25T12:45:57.360" v="255" actId="478"/>
+            <ac:spMkLst>
+              <pc:docMk/>
+              <pc:sldMasterMk cId="1759527136" sldId="2147483648"/>
+              <pc:sldLayoutMk cId="272453280" sldId="2147483649"/>
+              <ac:spMk id="4" creationId="{0EAC885C-1DFA-597E-0698-509E28E0F85C}"/>
+            </ac:spMkLst>
+          </pc:spChg>
+          <pc:grpChg chg="add mod">
+            <ac:chgData name="Rose Campos" userId="ea77ee4111b22c87" providerId="LiveId" clId="{DB73D6CF-4F2D-473F-BD00-F334C0FE62D6}" dt="2024-04-25T12:45:51.369" v="254"/>
+            <ac:grpSpMkLst>
+              <pc:docMk/>
+              <pc:sldMasterMk cId="1759527136" sldId="2147483648"/>
+              <pc:sldLayoutMk cId="272453280" sldId="2147483649"/>
+              <ac:grpSpMk id="6" creationId="{DB97A502-DE95-8DC0-AD72-438E37B4E61D}"/>
+            </ac:grpSpMkLst>
+          </pc:grpChg>
+          <pc:picChg chg="add mod">
+            <ac:chgData name="Rose Campos" userId="ea77ee4111b22c87" providerId="LiveId" clId="{DB73D6CF-4F2D-473F-BD00-F334C0FE62D6}" dt="2024-04-25T12:42:52.882" v="244" actId="1076"/>
+            <ac:picMkLst>
+              <pc:docMk/>
+              <pc:sldMasterMk cId="1759527136" sldId="2147483648"/>
+              <pc:sldLayoutMk cId="272453280" sldId="2147483649"/>
+              <ac:picMk id="5" creationId="{60A0A98E-8F03-89C2-B1C5-479704218BB6}"/>
+            </ac:picMkLst>
+          </pc:picChg>
+          <pc:picChg chg="del">
+            <ac:chgData name="Rose Campos" userId="ea77ee4111b22c87" providerId="LiveId" clId="{DB73D6CF-4F2D-473F-BD00-F334C0FE62D6}" dt="2024-04-25T12:11:37.895" v="5" actId="478"/>
+            <ac:picMkLst>
+              <pc:docMk/>
+              <pc:sldMasterMk cId="1759527136" sldId="2147483648"/>
+              <pc:sldLayoutMk cId="272453280" sldId="2147483649"/>
+              <ac:picMk id="13" creationId="{31506282-9748-0AF1-9EA1-31A2DF84B36A}"/>
+            </ac:picMkLst>
+          </pc:picChg>
+          <pc:cxnChg chg="mod">
+            <ac:chgData name="Rose Campos" userId="ea77ee4111b22c87" providerId="LiveId" clId="{DB73D6CF-4F2D-473F-BD00-F334C0FE62D6}" dt="2024-04-25T12:45:51.369" v="254"/>
+            <ac:cxnSpMkLst>
+              <pc:docMk/>
+              <pc:sldMasterMk cId="1759527136" sldId="2147483648"/>
+              <pc:sldLayoutMk cId="272453280" sldId="2147483649"/>
+              <ac:cxnSpMk id="7" creationId="{30D9C01C-42D8-493C-27C0-51FA6E3D6F7E}"/>
+            </ac:cxnSpMkLst>
+          </pc:cxnChg>
+          <pc:cxnChg chg="mod">
+            <ac:chgData name="Rose Campos" userId="ea77ee4111b22c87" providerId="LiveId" clId="{DB73D6CF-4F2D-473F-BD00-F334C0FE62D6}" dt="2024-04-25T12:45:51.369" v="254"/>
+            <ac:cxnSpMkLst>
+              <pc:docMk/>
+              <pc:sldMasterMk cId="1759527136" sldId="2147483648"/>
+              <pc:sldLayoutMk cId="272453280" sldId="2147483649"/>
+              <ac:cxnSpMk id="8" creationId="{C82023AC-B286-1983-D48B-811C956EA105}"/>
+            </ac:cxnSpMkLst>
+          </pc:cxnChg>
+          <pc:cxnChg chg="mod">
+            <ac:chgData name="Rose Campos" userId="ea77ee4111b22c87" providerId="LiveId" clId="{DB73D6CF-4F2D-473F-BD00-F334C0FE62D6}" dt="2024-04-25T12:45:51.369" v="254"/>
+            <ac:cxnSpMkLst>
+              <pc:docMk/>
+              <pc:sldMasterMk cId="1759527136" sldId="2147483648"/>
+              <pc:sldLayoutMk cId="272453280" sldId="2147483649"/>
+              <ac:cxnSpMk id="9" creationId="{70D142F1-CA0B-1F81-1BD7-0343E28B90B2}"/>
+            </ac:cxnSpMkLst>
+          </pc:cxnChg>
+        </pc:sldLayoutChg>
+        <pc:sldLayoutChg chg="addSp delSp modSp mod">
+          <pc:chgData name="Rose Campos" userId="ea77ee4111b22c87" providerId="LiveId" clId="{DB73D6CF-4F2D-473F-BD00-F334C0FE62D6}" dt="2024-04-25T12:31:02.148" v="242" actId="208"/>
+          <pc:sldLayoutMkLst>
+            <pc:docMk/>
+            <pc:sldMasterMk cId="1759527136" sldId="2147483648"/>
+            <pc:sldLayoutMk cId="1389368964" sldId="2147483650"/>
+          </pc:sldLayoutMkLst>
+          <pc:spChg chg="mod">
+            <ac:chgData name="Rose Campos" userId="ea77ee4111b22c87" providerId="LiveId" clId="{DB73D6CF-4F2D-473F-BD00-F334C0FE62D6}" dt="2024-04-25T12:27:51.593" v="199" actId="255"/>
+            <ac:spMkLst>
+              <pc:docMk/>
+              <pc:sldMasterMk cId="1759527136" sldId="2147483648"/>
+              <pc:sldLayoutMk cId="1389368964" sldId="2147483650"/>
+              <ac:spMk id="3" creationId="{6DDEDE47-A0B3-B021-6D78-709CA34A1D24}"/>
+            </ac:spMkLst>
+          </pc:spChg>
+          <pc:picChg chg="del">
+            <ac:chgData name="Rose Campos" userId="ea77ee4111b22c87" providerId="LiveId" clId="{DB73D6CF-4F2D-473F-BD00-F334C0FE62D6}" dt="2024-04-25T12:11:40.663" v="6" actId="478"/>
+            <ac:picMkLst>
+              <pc:docMk/>
+              <pc:sldMasterMk cId="1759527136" sldId="2147483648"/>
+              <pc:sldLayoutMk cId="1389368964" sldId="2147483650"/>
+              <ac:picMk id="7" creationId="{9CB93DEA-4C3E-01CA-7C70-AD7B9191BE99}"/>
+            </ac:picMkLst>
+          </pc:picChg>
+          <pc:picChg chg="add mod">
+            <ac:chgData name="Rose Campos" userId="ea77ee4111b22c87" providerId="LiveId" clId="{DB73D6CF-4F2D-473F-BD00-F334C0FE62D6}" dt="2024-04-25T12:31:02.148" v="242" actId="208"/>
+            <ac:picMkLst>
+              <pc:docMk/>
+              <pc:sldMasterMk cId="1759527136" sldId="2147483648"/>
+              <pc:sldLayoutMk cId="1389368964" sldId="2147483650"/>
+              <ac:picMk id="15" creationId="{86E96141-4F69-10A8-42B0-B8CAA7AB94F7}"/>
+            </ac:picMkLst>
+          </pc:picChg>
+        </pc:sldLayoutChg>
+        <pc:sldLayoutChg chg="addSp delSp modSp mod">
+          <pc:chgData name="Rose Campos" userId="ea77ee4111b22c87" providerId="LiveId" clId="{DB73D6CF-4F2D-473F-BD00-F334C0FE62D6}" dt="2024-04-25T12:30:49.960" v="240" actId="207"/>
+          <pc:sldLayoutMkLst>
+            <pc:docMk/>
+            <pc:sldMasterMk cId="1759527136" sldId="2147483648"/>
+            <pc:sldLayoutMk cId="947676095" sldId="2147483652"/>
+          </pc:sldLayoutMkLst>
+          <pc:picChg chg="add del mod">
+            <ac:chgData name="Rose Campos" userId="ea77ee4111b22c87" providerId="LiveId" clId="{DB73D6CF-4F2D-473F-BD00-F334C0FE62D6}" dt="2024-04-25T12:25:26.687" v="187" actId="478"/>
+            <ac:picMkLst>
+              <pc:docMk/>
+              <pc:sldMasterMk cId="1759527136" sldId="2147483648"/>
+              <pc:sldLayoutMk cId="947676095" sldId="2147483652"/>
+              <ac:picMk id="6" creationId="{E89A4917-9604-44B0-189B-13E8613D3803}"/>
+            </ac:picMkLst>
+          </pc:picChg>
+          <pc:picChg chg="add mod">
+            <ac:chgData name="Rose Campos" userId="ea77ee4111b22c87" providerId="LiveId" clId="{DB73D6CF-4F2D-473F-BD00-F334C0FE62D6}" dt="2024-04-25T12:30:49.960" v="240" actId="207"/>
+            <ac:picMkLst>
+              <pc:docMk/>
+              <pc:sldMasterMk cId="1759527136" sldId="2147483648"/>
+              <pc:sldLayoutMk cId="947676095" sldId="2147483652"/>
+              <ac:picMk id="7" creationId="{FE5A3A11-D83A-E408-B699-44FEB2B0CBB5}"/>
+            </ac:picMkLst>
+          </pc:picChg>
+          <pc:picChg chg="del">
+            <ac:chgData name="Rose Campos" userId="ea77ee4111b22c87" providerId="LiveId" clId="{DB73D6CF-4F2D-473F-BD00-F334C0FE62D6}" dt="2024-04-25T12:11:43.350" v="7" actId="478"/>
+            <ac:picMkLst>
+              <pc:docMk/>
+              <pc:sldMasterMk cId="1759527136" sldId="2147483648"/>
+              <pc:sldLayoutMk cId="947676095" sldId="2147483652"/>
+              <ac:picMk id="8" creationId="{1FF11CC6-75BF-497E-3C5A-AD0631EFE092}"/>
+            </ac:picMkLst>
+          </pc:picChg>
+        </pc:sldLayoutChg>
+        <pc:sldLayoutChg chg="addSp delSp modSp mod">
+          <pc:chgData name="Rose Campos" userId="ea77ee4111b22c87" providerId="LiveId" clId="{DB73D6CF-4F2D-473F-BD00-F334C0FE62D6}" dt="2024-04-25T12:26:48.051" v="197" actId="14100"/>
+          <pc:sldLayoutMkLst>
+            <pc:docMk/>
+            <pc:sldMasterMk cId="1759527136" sldId="2147483648"/>
+            <pc:sldLayoutMk cId="1788987719" sldId="2147483654"/>
+          </pc:sldLayoutMkLst>
+          <pc:spChg chg="mod">
+            <ac:chgData name="Rose Campos" userId="ea77ee4111b22c87" providerId="LiveId" clId="{DB73D6CF-4F2D-473F-BD00-F334C0FE62D6}" dt="2024-04-25T12:26:48.051" v="197" actId="14100"/>
+            <ac:spMkLst>
+              <pc:docMk/>
+              <pc:sldMasterMk cId="1759527136" sldId="2147483648"/>
+              <pc:sldLayoutMk cId="1788987719" sldId="2147483654"/>
+              <ac:spMk id="2" creationId="{451B1580-D16B-B50C-E10B-3A06745DF9C9}"/>
+            </ac:spMkLst>
+          </pc:spChg>
+          <pc:picChg chg="add mod">
+            <ac:chgData name="Rose Campos" userId="ea77ee4111b22c87" providerId="LiveId" clId="{DB73D6CF-4F2D-473F-BD00-F334C0FE62D6}" dt="2024-04-25T12:26:35.420" v="196" actId="207"/>
+            <ac:picMkLst>
+              <pc:docMk/>
+              <pc:sldMasterMk cId="1759527136" sldId="2147483648"/>
+              <pc:sldLayoutMk cId="1788987719" sldId="2147483654"/>
+              <ac:picMk id="4" creationId="{4B411D7A-6620-911A-E9BF-7FE59196D545}"/>
+            </ac:picMkLst>
+          </pc:picChg>
+          <pc:picChg chg="add del mod">
+            <ac:chgData name="Rose Campos" userId="ea77ee4111b22c87" providerId="LiveId" clId="{DB73D6CF-4F2D-473F-BD00-F334C0FE62D6}" dt="2024-04-25T12:11:24.008" v="3" actId="478"/>
+            <ac:picMkLst>
+              <pc:docMk/>
+              <pc:sldMasterMk cId="1759527136" sldId="2147483648"/>
+              <pc:sldLayoutMk cId="1788987719" sldId="2147483654"/>
+              <ac:picMk id="6" creationId="{E9D176C5-3A79-A2CD-AD3A-EBEDC967091C}"/>
+            </ac:picMkLst>
+          </pc:picChg>
+        </pc:sldLayoutChg>
+        <pc:sldLayoutChg chg="new del mod">
+          <pc:chgData name="Rose Campos" userId="ea77ee4111b22c87" providerId="LiveId" clId="{DB73D6CF-4F2D-473F-BD00-F334C0FE62D6}" dt="2024-04-25T12:17:16.016" v="34" actId="2696"/>
+          <pc:sldLayoutMkLst>
+            <pc:docMk/>
+            <pc:sldMasterMk cId="1759527136" sldId="2147483648"/>
+            <pc:sldLayoutMk cId="2847504228" sldId="2147483655"/>
+          </pc:sldLayoutMkLst>
+        </pc:sldLayoutChg>
+        <pc:sldLayoutChg chg="delSp del mod">
+          <pc:chgData name="Rose Campos" userId="ea77ee4111b22c87" providerId="LiveId" clId="{DB73D6CF-4F2D-473F-BD00-F334C0FE62D6}" dt="2024-04-25T12:16:57.182" v="32" actId="2696"/>
+          <pc:sldLayoutMkLst>
+            <pc:docMk/>
+            <pc:sldMasterMk cId="1759527136" sldId="2147483648"/>
+            <pc:sldLayoutMk cId="2376296454" sldId="2147483656"/>
+          </pc:sldLayoutMkLst>
+          <pc:picChg chg="del">
+            <ac:chgData name="Rose Campos" userId="ea77ee4111b22c87" providerId="LiveId" clId="{DB73D6CF-4F2D-473F-BD00-F334C0FE62D6}" dt="2024-04-25T12:11:45.516" v="8" actId="478"/>
+            <ac:picMkLst>
+              <pc:docMk/>
+              <pc:sldMasterMk cId="1759527136" sldId="2147483648"/>
+              <pc:sldLayoutMk cId="2376296454" sldId="2147483656"/>
+              <ac:picMk id="8" creationId="{3DDED455-92DA-5D5F-D348-C216F80A4D71}"/>
+            </ac:picMkLst>
+          </pc:picChg>
+        </pc:sldLayoutChg>
+      </pc:sldMasterChg>
+      <pc:sldMasterChg chg="add del mod addSldLayout delSldLayout modSldLayout">
+        <pc:chgData name="Rose Campos" userId="ea77ee4111b22c87" providerId="LiveId" clId="{DB73D6CF-4F2D-473F-BD00-F334C0FE62D6}" dt="2024-04-25T12:16:36.903" v="31" actId="2890"/>
+        <pc:sldMasterMkLst>
+          <pc:docMk/>
+          <pc:sldMasterMk cId="412358631" sldId="2147483657"/>
+        </pc:sldMasterMkLst>
+        <pc:sldLayoutChg chg="add del mod replId">
+          <pc:chgData name="Rose Campos" userId="ea77ee4111b22c87" providerId="LiveId" clId="{DB73D6CF-4F2D-473F-BD00-F334C0FE62D6}" dt="2024-04-25T12:16:36.903" v="31" actId="2890"/>
+          <pc:sldLayoutMkLst>
+            <pc:docMk/>
+            <pc:sldMasterMk cId="412358631" sldId="2147483657"/>
+            <pc:sldLayoutMk cId="2814828107" sldId="2147483658"/>
+          </pc:sldLayoutMkLst>
+        </pc:sldLayoutChg>
+        <pc:sldLayoutChg chg="add del mod replId">
+          <pc:chgData name="Rose Campos" userId="ea77ee4111b22c87" providerId="LiveId" clId="{DB73D6CF-4F2D-473F-BD00-F334C0FE62D6}" dt="2024-04-25T12:16:36.903" v="31" actId="2890"/>
+          <pc:sldLayoutMkLst>
+            <pc:docMk/>
+            <pc:sldMasterMk cId="412358631" sldId="2147483657"/>
+            <pc:sldLayoutMk cId="1190413283" sldId="2147483659"/>
+          </pc:sldLayoutMkLst>
+        </pc:sldLayoutChg>
+        <pc:sldLayoutChg chg="add del mod replId">
+          <pc:chgData name="Rose Campos" userId="ea77ee4111b22c87" providerId="LiveId" clId="{DB73D6CF-4F2D-473F-BD00-F334C0FE62D6}" dt="2024-04-25T12:16:36.903" v="31" actId="2890"/>
+          <pc:sldLayoutMkLst>
+            <pc:docMk/>
+            <pc:sldMasterMk cId="412358631" sldId="2147483657"/>
+            <pc:sldLayoutMk cId="2430078725" sldId="2147483660"/>
+          </pc:sldLayoutMkLst>
+        </pc:sldLayoutChg>
+        <pc:sldLayoutChg chg="add del mod replId">
+          <pc:chgData name="Rose Campos" userId="ea77ee4111b22c87" providerId="LiveId" clId="{DB73D6CF-4F2D-473F-BD00-F334C0FE62D6}" dt="2024-04-25T12:16:36.903" v="31" actId="2890"/>
+          <pc:sldLayoutMkLst>
+            <pc:docMk/>
+            <pc:sldMasterMk cId="412358631" sldId="2147483657"/>
+            <pc:sldLayoutMk cId="386872465" sldId="2147483661"/>
+          </pc:sldLayoutMkLst>
+        </pc:sldLayoutChg>
+        <pc:sldLayoutChg chg="add del mod replId">
+          <pc:chgData name="Rose Campos" userId="ea77ee4111b22c87" providerId="LiveId" clId="{DB73D6CF-4F2D-473F-BD00-F334C0FE62D6}" dt="2024-04-25T12:16:36.903" v="31" actId="2890"/>
+          <pc:sldLayoutMkLst>
+            <pc:docMk/>
+            <pc:sldMasterMk cId="412358631" sldId="2147483657"/>
+            <pc:sldLayoutMk cId="144738391" sldId="2147483662"/>
+          </pc:sldLayoutMkLst>
+        </pc:sldLayoutChg>
+      </pc:sldMasterChg>
+    </pc:docChg>
+  </pc:docChgLst>
+</pc:chgInfo>
+</file>
+
+<file path=ppt/notesMasters/notesMaster1.xml><?xml version="1.0" encoding="utf-8"?>
+<p:notesMaster xmlns:a="http://schemas.openxmlformats.org/drawingml/2006/main" xmlns:r="http://schemas.openxmlformats.org/officeDocument/2006/relationships" xmlns:p="http://schemas.openxmlformats.org/presentationml/2006/main">
+  <p:cSld>
+    <p:bg>
+      <p:bgRef idx="1001">
+        <a:schemeClr val="bg1"/>
+      </p:bgRef>
+    </p:bg>
+    <p:spTree>
+      <p:nvGrpSpPr>
+        <p:cNvPr id="1" name=""/>
+        <p:cNvGrpSpPr/>
+        <p:nvPr/>
+      </p:nvGrpSpPr>
+      <p:grpSpPr>
+        <a:xfrm>
+          <a:off x="0" y="0"/>
+          <a:ext cx="0" cy="0"/>
+          <a:chOff x="0" y="0"/>
+          <a:chExt cx="0" cy="0"/>
+        </a:xfrm>
+      </p:grpSpPr>
+      <p:sp>
+        <p:nvSpPr>
+          <p:cNvPr id="2" name="Header Placeholder 1"/>
+          <p:cNvSpPr>
+            <a:spLocks noGrp="1"/>
+          </p:cNvSpPr>
+          <p:nvPr>
+            <p:ph type="hdr" sz="quarter"/>
+          </p:nvPr>
+        </p:nvSpPr>
+        <p:spPr>
+          <a:xfrm>
+            <a:off x="0" y="0"/>
+            <a:ext cx="2971800" cy="458788"/>
+          </a:xfrm>
+          <a:prstGeom prst="rect">
+            <a:avLst/>
+          </a:prstGeom>
+        </p:spPr>
+        <p:txBody>
+          <a:bodyPr vert="horz" lIns="91440" tIns="45720" rIns="91440" bIns="45720" rtlCol="0"/>
+          <a:lstStyle>
+            <a:lvl1pPr algn="l">
+              <a:defRPr sz="1200"/>
+            </a:lvl1pPr>
+          </a:lstStyle>
+          <a:p>
+            <a:endParaRPr lang="en-US"/>
+          </a:p>
+        </p:txBody>
+      </p:sp>
+      <p:sp>
+        <p:nvSpPr>
+          <p:cNvPr id="3" name="Date Placeholder 2"/>
+          <p:cNvSpPr>
+            <a:spLocks noGrp="1"/>
+          </p:cNvSpPr>
+          <p:nvPr>
+            <p:ph type="dt" idx="1"/>
+          </p:nvPr>
+        </p:nvSpPr>
+        <p:spPr>
+          <a:xfrm>
+            <a:off x="3884613" y="0"/>
+            <a:ext cx="2971800" cy="458788"/>
+          </a:xfrm>
+          <a:prstGeom prst="rect">
+            <a:avLst/>
+          </a:prstGeom>
+        </p:spPr>
+        <p:txBody>
+          <a:bodyPr vert="horz" lIns="91440" tIns="45720" rIns="91440" bIns="45720" rtlCol="0"/>
+          <a:lstStyle>
+            <a:lvl1pPr algn="r">
+              <a:defRPr sz="1200"/>
+            </a:lvl1pPr>
+          </a:lstStyle>
+          <a:p>
+            <a:fld id="{0BCEA269-FC20-464B-BC20-B6DE3B93FF20}" type="datetimeFigureOut">
+              <a:rPr lang="en-US" smtClean="0"/>
+              <a:t>4/25/2024</a:t>
+            </a:fld>
+            <a:endParaRPr lang="en-US"/>
+          </a:p>
+        </p:txBody>
+      </p:sp>
+      <p:sp>
+        <p:nvSpPr>
+          <p:cNvPr id="4" name="Slide Image Placeholder 3"/>
+          <p:cNvSpPr>
+            <a:spLocks noGrp="1" noRot="1" noChangeAspect="1"/>
+          </p:cNvSpPr>
+          <p:nvPr>
+            <p:ph type="sldImg" idx="2"/>
+          </p:nvPr>
+        </p:nvSpPr>
+        <p:spPr>
+          <a:xfrm>
+            <a:off x="685800" y="1143000"/>
+            <a:ext cx="5486400" cy="3086100"/>
+          </a:xfrm>
+          <a:prstGeom prst="rect">
+            <a:avLst/>
+          </a:prstGeom>
+          <a:noFill/>
+          <a:ln w="12700">
+            <a:solidFill>
+              <a:prstClr val="black"/>
+            </a:solidFill>
+          </a:ln>
+        </p:spPr>
+        <p:txBody>
+          <a:bodyPr vert="horz" lIns="91440" tIns="45720" rIns="91440" bIns="45720" rtlCol="0" anchor="ctr"/>
+          <a:lstStyle/>
+          <a:p>
+            <a:endParaRPr lang="en-US"/>
+          </a:p>
+        </p:txBody>
+      </p:sp>
+      <p:sp>
+        <p:nvSpPr>
+          <p:cNvPr id="5" name="Notes Placeholder 4"/>
+          <p:cNvSpPr>
+            <a:spLocks noGrp="1"/>
+          </p:cNvSpPr>
+          <p:nvPr>
+            <p:ph type="body" sz="quarter" idx="3"/>
+          </p:nvPr>
+        </p:nvSpPr>
+        <p:spPr>
+          <a:xfrm>
+            <a:off x="685800" y="4400550"/>
+            <a:ext cx="5486400" cy="3600450"/>
+          </a:xfrm>
+          <a:prstGeom prst="rect">
+            <a:avLst/>
+          </a:prstGeom>
+        </p:spPr>
+        <p:txBody>
+          <a:bodyPr vert="horz" lIns="91440" tIns="45720" rIns="91440" bIns="45720" rtlCol="0"/>
+          <a:lstStyle/>
+          <a:p>
+            <a:pPr lvl="0"/>
+            <a:r>
+              <a:rPr lang="en-US"/>
+              <a:t>Click to edit Master text styles</a:t>
+            </a:r>
+          </a:p>
+          <a:p>
+            <a:pPr lvl="1"/>
+            <a:r>
+              <a:rPr lang="en-US"/>
+              <a:t>Second level</a:t>
+            </a:r>
+          </a:p>
+          <a:p>
+            <a:pPr lvl="2"/>
+            <a:r>
+              <a:rPr lang="en-US"/>
+              <a:t>Third level</a:t>
+            </a:r>
+          </a:p>
+          <a:p>
+            <a:pPr lvl="3"/>
+            <a:r>
+              <a:rPr lang="en-US"/>
+              <a:t>Fourth level</a:t>
+            </a:r>
+          </a:p>
+          <a:p>
+            <a:pPr lvl="4"/>
+            <a:r>
+              <a:rPr lang="en-US"/>
+              <a:t>Fifth level</a:t>
+            </a:r>
+          </a:p>
+        </p:txBody>
+      </p:sp>
+      <p:sp>
+        <p:nvSpPr>
+          <p:cNvPr id="6" name="Footer Placeholder 5"/>
+          <p:cNvSpPr>
+            <a:spLocks noGrp="1"/>
+          </p:cNvSpPr>
+          <p:nvPr>
+            <p:ph type="ftr" sz="quarter" idx="4"/>
+          </p:nvPr>
+        </p:nvSpPr>
+        <p:spPr>
+          <a:xfrm>
+            <a:off x="0" y="8685213"/>
+            <a:ext cx="2971800" cy="458787"/>
+          </a:xfrm>
+          <a:prstGeom prst="rect">
+            <a:avLst/>
+          </a:prstGeom>
+        </p:spPr>
+        <p:txBody>
+          <a:bodyPr vert="horz" lIns="91440" tIns="45720" rIns="91440" bIns="45720" rtlCol="0" anchor="b"/>
+          <a:lstStyle>
+            <a:lvl1pPr algn="l">
+              <a:defRPr sz="1200"/>
+            </a:lvl1pPr>
+          </a:lstStyle>
+          <a:p>
+            <a:endParaRPr lang="en-US"/>
+          </a:p>
+        </p:txBody>
+      </p:sp>
+      <p:sp>
+        <p:nvSpPr>
+          <p:cNvPr id="7" name="Slide Number Placeholder 6"/>
+          <p:cNvSpPr>
+            <a:spLocks noGrp="1"/>
+          </p:cNvSpPr>
+          <p:nvPr>
+            <p:ph type="sldNum" sz="quarter" idx="5"/>
+          </p:nvPr>
+        </p:nvSpPr>
+        <p:spPr>
+          <a:xfrm>
+            <a:off x="3884613" y="8685213"/>
+            <a:ext cx="2971800" cy="458787"/>
+          </a:xfrm>
+          <a:prstGeom prst="rect">
+            <a:avLst/>
+          </a:prstGeom>
+        </p:spPr>
+        <p:txBody>
+          <a:bodyPr vert="horz" lIns="91440" tIns="45720" rIns="91440" bIns="45720" rtlCol="0" anchor="b"/>
+          <a:lstStyle>
+            <a:lvl1pPr algn="r">
+              <a:defRPr sz="1200"/>
+            </a:lvl1pPr>
+          </a:lstStyle>
+          <a:p>
+            <a:fld id="{9EA2D502-DBF4-45A9-A4D3-3B8D5EBA9F8B}" type="slidenum">
+              <a:rPr lang="en-US" smtClean="0"/>
+              <a:t>‹#›</a:t>
+            </a:fld>
+            <a:endParaRPr lang="en-US"/>
+          </a:p>
+        </p:txBody>
+      </p:sp>
+    </p:spTree>
+    <p:extLst>
+      <p:ext uri="{BB962C8B-B14F-4D97-AF65-F5344CB8AC3E}">
+        <p14:creationId xmlns:p14="http://schemas.microsoft.com/office/powerpoint/2010/main" val="3144924415"/>
+      </p:ext>
+    </p:extLst>
+  </p:cSld>
+  <p:clrMap bg1="lt1" tx1="dk1" bg2="lt2" tx2="dk2" accent1="accent1" accent2="accent2" accent3="accent3" accent4="accent4" accent5="accent5" accent6="accent6" hlink="hlink" folHlink="folHlink"/>
+  <p:notesStyle>
+    <a:lvl1pPr marL="0" algn="l" defTabSz="914400" rtl="0" eaLnBrk="1" latinLnBrk="0" hangingPunct="1">
+      <a:defRPr sz="1200" kern="1200">
+        <a:solidFill>
+          <a:schemeClr val="tx1"/>
+        </a:solidFill>
+        <a:latin typeface="+mn-lt"/>
+        <a:ea typeface="+mn-ea"/>
+        <a:cs typeface="+mn-cs"/>
+      </a:defRPr>
+    </a:lvl1pPr>
+    <a:lvl2pPr marL="457200" algn="l" defTabSz="914400" rtl="0" eaLnBrk="1" latinLnBrk="0" hangingPunct="1">
+      <a:defRPr sz="1200" kern="1200">
+        <a:solidFill>
+          <a:schemeClr val="tx1"/>
+        </a:solidFill>
+        <a:latin typeface="+mn-lt"/>
+        <a:ea typeface="+mn-ea"/>
+        <a:cs typeface="+mn-cs"/>
+      </a:defRPr>
+    </a:lvl2pPr>
+    <a:lvl3pPr marL="914400" algn="l" defTabSz="914400" rtl="0" eaLnBrk="1" latinLnBrk="0" hangingPunct="1">
+      <a:defRPr sz="1200" kern="1200">
+        <a:solidFill>
+          <a:schemeClr val="tx1"/>
+        </a:solidFill>
+        <a:latin typeface="+mn-lt"/>
+        <a:ea typeface="+mn-ea"/>
+        <a:cs typeface="+mn-cs"/>
+      </a:defRPr>
+    </a:lvl3pPr>
+    <a:lvl4pPr marL="1371600" algn="l" defTabSz="914400" rtl="0" eaLnBrk="1" latinLnBrk="0" hangingPunct="1">
+      <a:defRPr sz="1200" kern="1200">
+        <a:solidFill>
+          <a:schemeClr val="tx1"/>
+        </a:solidFill>
+        <a:latin typeface="+mn-lt"/>
+        <a:ea typeface="+mn-ea"/>
+        <a:cs typeface="+mn-cs"/>
+      </a:defRPr>
+    </a:lvl4pPr>
+    <a:lvl5pPr marL="1828800" algn="l" defTabSz="914400" rtl="0" eaLnBrk="1" latinLnBrk="0" hangingPunct="1">
+      <a:defRPr sz="1200" kern="1200">
+        <a:solidFill>
+          <a:schemeClr val="tx1"/>
+        </a:solidFill>
+        <a:latin typeface="+mn-lt"/>
+        <a:ea typeface="+mn-ea"/>
+        <a:cs typeface="+mn-cs"/>
+      </a:defRPr>
+    </a:lvl5pPr>
+    <a:lvl6pPr marL="2286000" algn="l" defTabSz="914400" rtl="0" eaLnBrk="1" latinLnBrk="0" hangingPunct="1">
+      <a:defRPr sz="1200" kern="1200">
+        <a:solidFill>
+          <a:schemeClr val="tx1"/>
+        </a:solidFill>
+        <a:latin typeface="+mn-lt"/>
+        <a:ea typeface="+mn-ea"/>
+        <a:cs typeface="+mn-cs"/>
+      </a:defRPr>
+    </a:lvl6pPr>
+    <a:lvl7pPr marL="2743200" algn="l" defTabSz="914400" rtl="0" eaLnBrk="1" latinLnBrk="0" hangingPunct="1">
+      <a:defRPr sz="1200" kern="1200">
+        <a:solidFill>
+          <a:schemeClr val="tx1"/>
+        </a:solidFill>
+        <a:latin typeface="+mn-lt"/>
+        <a:ea typeface="+mn-ea"/>
+        <a:cs typeface="+mn-cs"/>
+      </a:defRPr>
+    </a:lvl7pPr>
+    <a:lvl8pPr marL="3200400" algn="l" defTabSz="914400" rtl="0" eaLnBrk="1" latinLnBrk="0" hangingPunct="1">
+      <a:defRPr sz="1200" kern="1200">
+        <a:solidFill>
+          <a:schemeClr val="tx1"/>
+        </a:solidFill>
+        <a:latin typeface="+mn-lt"/>
+        <a:ea typeface="+mn-ea"/>
+        <a:cs typeface="+mn-cs"/>
+      </a:defRPr>
+    </a:lvl8pPr>
+    <a:lvl9pPr marL="3657600" algn="l" defTabSz="914400" rtl="0" eaLnBrk="1" latinLnBrk="0" hangingPunct="1">
+      <a:defRPr sz="1200" kern="1200">
+        <a:solidFill>
+          <a:schemeClr val="tx1"/>
+        </a:solidFill>
+        <a:latin typeface="+mn-lt"/>
+        <a:ea typeface="+mn-ea"/>
+        <a:cs typeface="+mn-cs"/>
+      </a:defRPr>
+    </a:lvl9pPr>
+  </p:notesStyle>
+</p:notesMaster>
 </file>
 
 <file path=ppt/slideLayouts/slideLayout1.xml><?xml version="1.0" encoding="utf-8"?>
@@ -124,46 +886,6 @@
           <a:chExt cx="0" cy="0"/>
         </a:xfrm>
       </p:grpSpPr>
-      <p:pic>
-        <p:nvPicPr>
-          <p:cNvPr id="13" name="Picture 12" descr="A blue and white background&#10;&#10;Description automatically generated">
-            <a:extLst>
-              <a:ext uri="{FF2B5EF4-FFF2-40B4-BE49-F238E27FC236}">
-                <a16:creationId xmlns:a16="http://schemas.microsoft.com/office/drawing/2014/main" id="{31506282-9748-0AF1-9EA1-31A2DF84B36A}"/>
-              </a:ext>
-            </a:extLst>
-          </p:cNvPr>
-          <p:cNvPicPr>
-            <a:picLocks noChangeAspect="1"/>
-          </p:cNvPicPr>
-          <p:nvPr userDrawn="1"/>
-        </p:nvPicPr>
-        <p:blipFill>
-          <a:blip r:embed="rId2">
-            <a:alphaModFix amt="85000"/>
-            <a:extLst>
-              <a:ext uri="{28A0092B-C50C-407E-A947-70E740481C1C}">
-                <a14:useLocalDpi xmlns:a14="http://schemas.microsoft.com/office/drawing/2010/main" val="0"/>
-              </a:ext>
-              <a:ext uri="{837473B0-CC2E-450A-ABE3-18F120FF3D39}">
-                <a1611:picAttrSrcUrl xmlns:a1611="http://schemas.microsoft.com/office/drawing/2016/11/main" r:id="rId3"/>
-              </a:ext>
-            </a:extLst>
-          </a:blip>
-          <a:stretch>
-            <a:fillRect/>
-          </a:stretch>
-        </p:blipFill>
-        <p:spPr>
-          <a:xfrm>
-            <a:off x="-996778" y="-19736"/>
-            <a:ext cx="13740714" cy="10305536"/>
-          </a:xfrm>
-          <a:prstGeom prst="rect">
-            <a:avLst/>
-          </a:prstGeom>
-        </p:spPr>
-      </p:pic>
       <p:sp>
         <p:nvSpPr>
           <p:cNvPr id="2" name="Title 1">
@@ -271,49 +993,189 @@
           </a:p>
         </p:txBody>
       </p:sp>
-      <p:sp>
-        <p:nvSpPr>
-          <p:cNvPr id="4" name="Date Placeholder 3">
+      <p:pic>
+        <p:nvPicPr>
+          <p:cNvPr id="5" name="Graphic 4" descr="Director's Chair with solid fill">
             <a:extLst>
               <a:ext uri="{FF2B5EF4-FFF2-40B4-BE49-F238E27FC236}">
-                <a16:creationId xmlns:a16="http://schemas.microsoft.com/office/drawing/2014/main" id="{0EAC885C-1DFA-597E-0698-509E28E0F85C}"/>
+                <a16:creationId xmlns:a16="http://schemas.microsoft.com/office/drawing/2014/main" id="{60A0A98E-8F03-89C2-B1C5-479704218BB6}"/>
               </a:ext>
             </a:extLst>
           </p:cNvPr>
-          <p:cNvSpPr>
-            <a:spLocks noGrp="1"/>
-          </p:cNvSpPr>
-          <p:nvPr>
-            <p:ph type="dt" sz="half" idx="10"/>
-          </p:nvPr>
-        </p:nvSpPr>
+          <p:cNvPicPr>
+            <a:picLocks noChangeAspect="1"/>
+          </p:cNvPicPr>
+          <p:nvPr userDrawn="1"/>
+        </p:nvPicPr>
+        <p:blipFill>
+          <a:blip r:embed="rId2">
+            <a:extLst>
+              <a:ext uri="{28A0092B-C50C-407E-A947-70E740481C1C}">
+                <a14:useLocalDpi xmlns:a14="http://schemas.microsoft.com/office/drawing/2010/main" val="0"/>
+              </a:ext>
+              <a:ext uri="{96DAC541-7B7A-43D3-8B79-37D633B846F1}">
+                <asvg:svgBlip xmlns:asvg="http://schemas.microsoft.com/office/drawing/2016/SVG/main" r:embed="rId3"/>
+              </a:ext>
+            </a:extLst>
+          </a:blip>
+          <a:stretch>
+            <a:fillRect/>
+          </a:stretch>
+        </p:blipFill>
         <p:spPr>
           <a:xfrm>
-            <a:off x="0" y="6562295"/>
-            <a:ext cx="2743200" cy="365125"/>
+            <a:off x="11178309" y="136236"/>
+            <a:ext cx="914400" cy="914400"/>
           </a:xfrm>
+          <a:prstGeom prst="rect">
+            <a:avLst/>
+          </a:prstGeom>
         </p:spPr>
-        <p:txBody>
-          <a:bodyPr/>
-          <a:lstStyle>
-            <a:lvl1pPr>
-              <a:defRPr>
-                <a:solidFill>
-                  <a:schemeClr val="tx1"/>
-                </a:solidFill>
-              </a:defRPr>
-            </a:lvl1pPr>
-          </a:lstStyle>
-          <a:p>
-            <a:fld id="{EAAB551D-C240-4173-9070-E4669C11B4CC}" type="datetimeFigureOut">
-              <a:rPr lang="en-US" smtClean="0"/>
-              <a:pPr/>
-              <a:t>4/25/2024</a:t>
-            </a:fld>
-            <a:endParaRPr lang="en-US" dirty="0"/>
-          </a:p>
-        </p:txBody>
-      </p:sp>
+      </p:pic>
+      <p:grpSp>
+        <p:nvGrpSpPr>
+          <p:cNvPr id="6" name="Group 5">
+            <a:extLst>
+              <a:ext uri="{FF2B5EF4-FFF2-40B4-BE49-F238E27FC236}">
+                <a16:creationId xmlns:a16="http://schemas.microsoft.com/office/drawing/2014/main" id="{DB97A502-DE95-8DC0-AD72-438E37B4E61D}"/>
+              </a:ext>
+            </a:extLst>
+          </p:cNvPr>
+          <p:cNvGrpSpPr/>
+          <p:nvPr userDrawn="1"/>
+        </p:nvGrpSpPr>
+        <p:grpSpPr>
+          <a:xfrm>
+            <a:off x="1140689" y="2611727"/>
+            <a:ext cx="290946" cy="3565236"/>
+            <a:chOff x="1279236" y="2899353"/>
+            <a:chExt cx="290946" cy="3565236"/>
+          </a:xfrm>
+        </p:grpSpPr>
+        <p:cxnSp>
+          <p:nvCxnSpPr>
+            <p:cNvPr id="7" name="Straight Connector 6">
+              <a:extLst>
+                <a:ext uri="{FF2B5EF4-FFF2-40B4-BE49-F238E27FC236}">
+                  <a16:creationId xmlns:a16="http://schemas.microsoft.com/office/drawing/2014/main" id="{30D9C01C-42D8-493C-27C0-51FA6E3D6F7E}"/>
+                </a:ext>
+              </a:extLst>
+            </p:cNvPr>
+            <p:cNvCxnSpPr/>
+            <p:nvPr userDrawn="1"/>
+          </p:nvCxnSpPr>
+          <p:spPr>
+            <a:xfrm>
+              <a:off x="1431636" y="2899353"/>
+              <a:ext cx="0" cy="3565236"/>
+            </a:xfrm>
+            <a:prstGeom prst="line">
+              <a:avLst/>
+            </a:prstGeom>
+            <a:ln w="76200">
+              <a:solidFill>
+                <a:srgbClr val="3540A5"/>
+              </a:solidFill>
+            </a:ln>
+          </p:spPr>
+          <p:style>
+            <a:lnRef idx="1">
+              <a:schemeClr val="accent1"/>
+            </a:lnRef>
+            <a:fillRef idx="0">
+              <a:schemeClr val="accent1"/>
+            </a:fillRef>
+            <a:effectRef idx="0">
+              <a:schemeClr val="accent1"/>
+            </a:effectRef>
+            <a:fontRef idx="minor">
+              <a:schemeClr val="tx1"/>
+            </a:fontRef>
+          </p:style>
+        </p:cxnSp>
+        <p:cxnSp>
+          <p:nvCxnSpPr>
+            <p:cNvPr id="8" name="Straight Connector 7">
+              <a:extLst>
+                <a:ext uri="{FF2B5EF4-FFF2-40B4-BE49-F238E27FC236}">
+                  <a16:creationId xmlns:a16="http://schemas.microsoft.com/office/drawing/2014/main" id="{C82023AC-B286-1983-D48B-811C956EA105}"/>
+                </a:ext>
+              </a:extLst>
+            </p:cNvPr>
+            <p:cNvCxnSpPr/>
+            <p:nvPr userDrawn="1"/>
+          </p:nvCxnSpPr>
+          <p:spPr>
+            <a:xfrm>
+              <a:off x="1279236" y="3812829"/>
+              <a:ext cx="0" cy="2651760"/>
+            </a:xfrm>
+            <a:prstGeom prst="line">
+              <a:avLst/>
+            </a:prstGeom>
+            <a:ln w="76200">
+              <a:solidFill>
+                <a:srgbClr val="3540A5"/>
+              </a:solidFill>
+            </a:ln>
+          </p:spPr>
+          <p:style>
+            <a:lnRef idx="1">
+              <a:schemeClr val="accent1"/>
+            </a:lnRef>
+            <a:fillRef idx="0">
+              <a:schemeClr val="accent1"/>
+            </a:fillRef>
+            <a:effectRef idx="0">
+              <a:schemeClr val="accent1"/>
+            </a:effectRef>
+            <a:fontRef idx="minor">
+              <a:schemeClr val="tx1"/>
+            </a:fontRef>
+          </p:style>
+        </p:cxnSp>
+        <p:cxnSp>
+          <p:nvCxnSpPr>
+            <p:cNvPr id="9" name="Straight Connector 8">
+              <a:extLst>
+                <a:ext uri="{FF2B5EF4-FFF2-40B4-BE49-F238E27FC236}">
+                  <a16:creationId xmlns:a16="http://schemas.microsoft.com/office/drawing/2014/main" id="{70D142F1-CA0B-1F81-1BD7-0343E28B90B2}"/>
+                </a:ext>
+              </a:extLst>
+            </p:cNvPr>
+            <p:cNvCxnSpPr/>
+            <p:nvPr userDrawn="1"/>
+          </p:nvCxnSpPr>
+          <p:spPr>
+            <a:xfrm>
+              <a:off x="1570182" y="4727229"/>
+              <a:ext cx="0" cy="1737360"/>
+            </a:xfrm>
+            <a:prstGeom prst="line">
+              <a:avLst/>
+            </a:prstGeom>
+            <a:ln w="76200">
+              <a:solidFill>
+                <a:srgbClr val="3540A5"/>
+              </a:solidFill>
+            </a:ln>
+          </p:spPr>
+          <p:style>
+            <a:lnRef idx="1">
+              <a:schemeClr val="accent1"/>
+            </a:lnRef>
+            <a:fillRef idx="0">
+              <a:schemeClr val="accent1"/>
+            </a:fillRef>
+            <a:effectRef idx="0">
+              <a:schemeClr val="accent1"/>
+            </a:effectRef>
+            <a:fontRef idx="minor">
+              <a:schemeClr val="tx1"/>
+            </a:fontRef>
+          </p:style>
+        </p:cxnSp>
+      </p:grpSp>
     </p:spTree>
     <p:extLst>
       <p:ext uri="{BB962C8B-B14F-4D97-AF65-F5344CB8AC3E}">
@@ -344,46 +1206,6 @@
           <a:chExt cx="0" cy="0"/>
         </a:xfrm>
       </p:grpSpPr>
-      <p:pic>
-        <p:nvPicPr>
-          <p:cNvPr id="7" name="Picture 6" descr="A blue and white background&#10;&#10;Description automatically generated">
-            <a:extLst>
-              <a:ext uri="{FF2B5EF4-FFF2-40B4-BE49-F238E27FC236}">
-                <a16:creationId xmlns:a16="http://schemas.microsoft.com/office/drawing/2014/main" id="{9CB93DEA-4C3E-01CA-7C70-AD7B9191BE99}"/>
-              </a:ext>
-            </a:extLst>
-          </p:cNvPr>
-          <p:cNvPicPr>
-            <a:picLocks noChangeAspect="1"/>
-          </p:cNvPicPr>
-          <p:nvPr userDrawn="1"/>
-        </p:nvPicPr>
-        <p:blipFill>
-          <a:blip r:embed="rId2">
-            <a:alphaModFix amt="85000"/>
-            <a:extLst>
-              <a:ext uri="{28A0092B-C50C-407E-A947-70E740481C1C}">
-                <a14:useLocalDpi xmlns:a14="http://schemas.microsoft.com/office/drawing/2010/main" val="0"/>
-              </a:ext>
-              <a:ext uri="{837473B0-CC2E-450A-ABE3-18F120FF3D39}">
-                <a1611:picAttrSrcUrl xmlns:a1611="http://schemas.microsoft.com/office/drawing/2016/11/main" r:id="rId3"/>
-              </a:ext>
-            </a:extLst>
-          </a:blip>
-          <a:stretch>
-            <a:fillRect/>
-          </a:stretch>
-        </p:blipFill>
-        <p:spPr>
-          <a:xfrm>
-            <a:off x="-576649" y="13215"/>
-            <a:ext cx="13740714" cy="10305536"/>
-          </a:xfrm>
-          <a:prstGeom prst="rect">
-            <a:avLst/>
-          </a:prstGeom>
-        </p:spPr>
-      </p:pic>
       <p:sp>
         <p:nvSpPr>
           <p:cNvPr id="2" name="Title 1">
@@ -430,45 +1252,102 @@
         </p:nvSpPr>
         <p:spPr/>
         <p:txBody>
-          <a:bodyPr/>
-          <a:lstStyle/>
+          <a:bodyPr>
+            <a:normAutofit/>
+          </a:bodyPr>
+          <a:lstStyle>
+            <a:lvl1pPr>
+              <a:defRPr sz="1800"/>
+            </a:lvl1pPr>
+            <a:lvl2pPr>
+              <a:defRPr sz="1800"/>
+            </a:lvl2pPr>
+            <a:lvl3pPr>
+              <a:defRPr sz="1800"/>
+            </a:lvl3pPr>
+            <a:lvl4pPr>
+              <a:defRPr sz="1800"/>
+            </a:lvl4pPr>
+            <a:lvl5pPr>
+              <a:defRPr sz="1800"/>
+            </a:lvl5pPr>
+          </a:lstStyle>
           <a:p>
             <a:pPr lvl="0"/>
             <a:r>
-              <a:rPr lang="en-US"/>
+              <a:rPr lang="en-US" dirty="0"/>
               <a:t>Click to edit Master text styles</a:t>
             </a:r>
           </a:p>
           <a:p>
             <a:pPr lvl="1"/>
             <a:r>
-              <a:rPr lang="en-US"/>
+              <a:rPr lang="en-US" dirty="0"/>
               <a:t>Second level</a:t>
             </a:r>
           </a:p>
           <a:p>
             <a:pPr lvl="2"/>
             <a:r>
-              <a:rPr lang="en-US"/>
+              <a:rPr lang="en-US" dirty="0"/>
               <a:t>Third level</a:t>
             </a:r>
           </a:p>
           <a:p>
             <a:pPr lvl="3"/>
             <a:r>
-              <a:rPr lang="en-US"/>
+              <a:rPr lang="en-US" dirty="0"/>
               <a:t>Fourth level</a:t>
             </a:r>
           </a:p>
           <a:p>
             <a:pPr lvl="4"/>
             <a:r>
-              <a:rPr lang="en-US"/>
+              <a:rPr lang="en-US" dirty="0"/>
               <a:t>Fifth level</a:t>
             </a:r>
           </a:p>
         </p:txBody>
       </p:sp>
+      <p:pic>
+        <p:nvPicPr>
+          <p:cNvPr id="15" name="Graphic 14" descr="Film strip outline">
+            <a:extLst>
+              <a:ext uri="{FF2B5EF4-FFF2-40B4-BE49-F238E27FC236}">
+                <a16:creationId xmlns:a16="http://schemas.microsoft.com/office/drawing/2014/main" id="{86E96141-4F69-10A8-42B0-B8CAA7AB94F7}"/>
+              </a:ext>
+            </a:extLst>
+          </p:cNvPr>
+          <p:cNvPicPr>
+            <a:picLocks noChangeAspect="1"/>
+          </p:cNvPicPr>
+          <p:nvPr userDrawn="1"/>
+        </p:nvPicPr>
+        <p:blipFill>
+          <a:blip r:embed="rId2">
+            <a:extLst>
+              <a:ext uri="{28A0092B-C50C-407E-A947-70E740481C1C}">
+                <a14:useLocalDpi xmlns:a14="http://schemas.microsoft.com/office/drawing/2010/main" val="0"/>
+              </a:ext>
+              <a:ext uri="{96DAC541-7B7A-43D3-8B79-37D633B846F1}">
+                <asvg:svgBlip xmlns:asvg="http://schemas.microsoft.com/office/drawing/2016/SVG/main" r:embed="rId3"/>
+              </a:ext>
+            </a:extLst>
+          </a:blip>
+          <a:stretch>
+            <a:fillRect/>
+          </a:stretch>
+        </p:blipFill>
+        <p:spPr>
+          <a:xfrm rot="18736797">
+            <a:off x="11417636" y="132436"/>
+            <a:ext cx="641928" cy="641928"/>
+          </a:xfrm>
+          <a:prstGeom prst="rect">
+            <a:avLst/>
+          </a:prstGeom>
+        </p:spPr>
+      </p:pic>
     </p:spTree>
     <p:extLst>
       <p:ext uri="{BB962C8B-B14F-4D97-AF65-F5344CB8AC3E}">
@@ -499,46 +1378,6 @@
           <a:chExt cx="0" cy="0"/>
         </a:xfrm>
       </p:grpSpPr>
-      <p:pic>
-        <p:nvPicPr>
-          <p:cNvPr id="8" name="Picture 7" descr="A blue and white background&#10;&#10;Description automatically generated">
-            <a:extLst>
-              <a:ext uri="{FF2B5EF4-FFF2-40B4-BE49-F238E27FC236}">
-                <a16:creationId xmlns:a16="http://schemas.microsoft.com/office/drawing/2014/main" id="{1FF11CC6-75BF-497E-3C5A-AD0631EFE092}"/>
-              </a:ext>
-            </a:extLst>
-          </p:cNvPr>
-          <p:cNvPicPr>
-            <a:picLocks noChangeAspect="1"/>
-          </p:cNvPicPr>
-          <p:nvPr userDrawn="1"/>
-        </p:nvPicPr>
-        <p:blipFill>
-          <a:blip r:embed="rId2">
-            <a:alphaModFix amt="85000"/>
-            <a:extLst>
-              <a:ext uri="{28A0092B-C50C-407E-A947-70E740481C1C}">
-                <a14:useLocalDpi xmlns:a14="http://schemas.microsoft.com/office/drawing/2010/main" val="0"/>
-              </a:ext>
-              <a:ext uri="{837473B0-CC2E-450A-ABE3-18F120FF3D39}">
-                <a1611:picAttrSrcUrl xmlns:a1611="http://schemas.microsoft.com/office/drawing/2016/11/main" r:id="rId3"/>
-              </a:ext>
-            </a:extLst>
-          </a:blip>
-          <a:stretch>
-            <a:fillRect/>
-          </a:stretch>
-        </p:blipFill>
-        <p:spPr>
-          <a:xfrm>
-            <a:off x="-576649" y="13215"/>
-            <a:ext cx="13740714" cy="10305536"/>
-          </a:xfrm>
-          <a:prstGeom prst="rect">
-            <a:avLst/>
-          </a:prstGeom>
-        </p:spPr>
-      </p:pic>
       <p:sp>
         <p:nvSpPr>
           <p:cNvPr id="2" name="Title 1">
@@ -665,6 +1504,9 @@
             <a:off x="838200" y="1623648"/>
             <a:ext cx="10515600" cy="365125"/>
           </a:xfrm>
+          <a:prstGeom prst="rect">
+            <a:avLst/>
+          </a:prstGeom>
         </p:spPr>
         <p:txBody>
           <a:bodyPr/>
@@ -678,13 +1520,49 @@
             </a:lvl1pPr>
           </a:lstStyle>
           <a:p>
-            <a:r>
-              <a:rPr lang="en-US" dirty="0"/>
-              <a:t>Click to edit Master title style</a:t>
-            </a:r>
+            <a:endParaRPr lang="en-US" dirty="0"/>
           </a:p>
         </p:txBody>
       </p:sp>
+      <p:pic>
+        <p:nvPicPr>
+          <p:cNvPr id="7" name="Graphic 6" descr="Film strip outline">
+            <a:extLst>
+              <a:ext uri="{FF2B5EF4-FFF2-40B4-BE49-F238E27FC236}">
+                <a16:creationId xmlns:a16="http://schemas.microsoft.com/office/drawing/2014/main" id="{FE5A3A11-D83A-E408-B699-44FEB2B0CBB5}"/>
+              </a:ext>
+            </a:extLst>
+          </p:cNvPr>
+          <p:cNvPicPr>
+            <a:picLocks noChangeAspect="1"/>
+          </p:cNvPicPr>
+          <p:nvPr userDrawn="1"/>
+        </p:nvPicPr>
+        <p:blipFill>
+          <a:blip r:embed="rId2">
+            <a:extLst>
+              <a:ext uri="{28A0092B-C50C-407E-A947-70E740481C1C}">
+                <a14:useLocalDpi xmlns:a14="http://schemas.microsoft.com/office/drawing/2010/main" val="0"/>
+              </a:ext>
+              <a:ext uri="{96DAC541-7B7A-43D3-8B79-37D633B846F1}">
+                <asvg:svgBlip xmlns:asvg="http://schemas.microsoft.com/office/drawing/2016/SVG/main" r:embed="rId3"/>
+              </a:ext>
+            </a:extLst>
+          </a:blip>
+          <a:stretch>
+            <a:fillRect/>
+          </a:stretch>
+        </p:blipFill>
+        <p:spPr>
+          <a:xfrm rot="18736797">
+            <a:off x="11417636" y="132436"/>
+            <a:ext cx="641928" cy="641928"/>
+          </a:xfrm>
+          <a:prstGeom prst="rect">
+            <a:avLst/>
+          </a:prstGeom>
+        </p:spPr>
+      </p:pic>
     </p:spTree>
     <p:extLst>
       <p:ext uri="{BB962C8B-B14F-4D97-AF65-F5344CB8AC3E}">
@@ -699,8 +1577,8 @@
 </file>
 
 <file path=ppt/slideLayouts/slideLayout4.xml><?xml version="1.0" encoding="utf-8"?>
-<p:sldLayout xmlns:a="http://schemas.openxmlformats.org/drawingml/2006/main" xmlns:r="http://schemas.openxmlformats.org/officeDocument/2006/relationships" xmlns:p="http://schemas.openxmlformats.org/presentationml/2006/main" type="objTx" preserve="1">
-  <p:cSld name="Content with Caption">
+<p:sldLayout xmlns:a="http://schemas.openxmlformats.org/drawingml/2006/main" xmlns:r="http://schemas.openxmlformats.org/officeDocument/2006/relationships" xmlns:p="http://schemas.openxmlformats.org/presentationml/2006/main" type="titleOnly" preserve="1">
+  <p:cSld name="Section Header">
     <p:spTree>
       <p:nvGrpSpPr>
         <p:cNvPr id="1" name=""/>
@@ -715,284 +1593,6 @@
           <a:chExt cx="0" cy="0"/>
         </a:xfrm>
       </p:grpSpPr>
-      <p:pic>
-        <p:nvPicPr>
-          <p:cNvPr id="8" name="Picture 7" descr="A blue and white background&#10;&#10;Description automatically generated">
-            <a:extLst>
-              <a:ext uri="{FF2B5EF4-FFF2-40B4-BE49-F238E27FC236}">
-                <a16:creationId xmlns:a16="http://schemas.microsoft.com/office/drawing/2014/main" id="{3DDED455-92DA-5D5F-D348-C216F80A4D71}"/>
-              </a:ext>
-            </a:extLst>
-          </p:cNvPr>
-          <p:cNvPicPr>
-            <a:picLocks noChangeAspect="1"/>
-          </p:cNvPicPr>
-          <p:nvPr userDrawn="1"/>
-        </p:nvPicPr>
-        <p:blipFill>
-          <a:blip r:embed="rId2">
-            <a:alphaModFix amt="85000"/>
-            <a:extLst>
-              <a:ext uri="{28A0092B-C50C-407E-A947-70E740481C1C}">
-                <a14:useLocalDpi xmlns:a14="http://schemas.microsoft.com/office/drawing/2010/main" val="0"/>
-              </a:ext>
-              <a:ext uri="{837473B0-CC2E-450A-ABE3-18F120FF3D39}">
-                <a1611:picAttrSrcUrl xmlns:a1611="http://schemas.microsoft.com/office/drawing/2016/11/main" r:id="rId3"/>
-              </a:ext>
-            </a:extLst>
-          </a:blip>
-          <a:stretch>
-            <a:fillRect/>
-          </a:stretch>
-        </p:blipFill>
-        <p:spPr>
-          <a:xfrm>
-            <a:off x="-576649" y="13215"/>
-            <a:ext cx="13740714" cy="10305536"/>
-          </a:xfrm>
-          <a:prstGeom prst="rect">
-            <a:avLst/>
-          </a:prstGeom>
-        </p:spPr>
-      </p:pic>
-      <p:sp>
-        <p:nvSpPr>
-          <p:cNvPr id="2" name="Title 1">
-            <a:extLst>
-              <a:ext uri="{FF2B5EF4-FFF2-40B4-BE49-F238E27FC236}">
-                <a16:creationId xmlns:a16="http://schemas.microsoft.com/office/drawing/2014/main" id="{054181AB-C9D2-E6D9-86AD-D8CC39B3FEFB}"/>
-              </a:ext>
-            </a:extLst>
-          </p:cNvPr>
-          <p:cNvSpPr>
-            <a:spLocks noGrp="1"/>
-          </p:cNvSpPr>
-          <p:nvPr>
-            <p:ph type="title"/>
-          </p:nvPr>
-        </p:nvSpPr>
-        <p:spPr>
-          <a:xfrm>
-            <a:off x="839788" y="457200"/>
-            <a:ext cx="3932237" cy="1600200"/>
-          </a:xfrm>
-        </p:spPr>
-        <p:txBody>
-          <a:bodyPr anchor="b"/>
-          <a:lstStyle>
-            <a:lvl1pPr>
-              <a:defRPr sz="3200"/>
-            </a:lvl1pPr>
-          </a:lstStyle>
-          <a:p>
-            <a:r>
-              <a:rPr lang="en-US" dirty="0"/>
-              <a:t>Click to edit Master title style</a:t>
-            </a:r>
-          </a:p>
-        </p:txBody>
-      </p:sp>
-      <p:sp>
-        <p:nvSpPr>
-          <p:cNvPr id="3" name="Content Placeholder 2">
-            <a:extLst>
-              <a:ext uri="{FF2B5EF4-FFF2-40B4-BE49-F238E27FC236}">
-                <a16:creationId xmlns:a16="http://schemas.microsoft.com/office/drawing/2014/main" id="{28C90AF0-2B4E-6B58-8C93-C84BEFC4BC86}"/>
-              </a:ext>
-            </a:extLst>
-          </p:cNvPr>
-          <p:cNvSpPr>
-            <a:spLocks noGrp="1"/>
-          </p:cNvSpPr>
-          <p:nvPr>
-            <p:ph idx="1"/>
-          </p:nvPr>
-        </p:nvSpPr>
-        <p:spPr>
-          <a:xfrm>
-            <a:off x="5183188" y="987425"/>
-            <a:ext cx="6172200" cy="4873625"/>
-          </a:xfrm>
-        </p:spPr>
-        <p:txBody>
-          <a:bodyPr/>
-          <a:lstStyle>
-            <a:lvl1pPr marL="0" indent="0">
-              <a:buNone/>
-              <a:defRPr sz="3200"/>
-            </a:lvl1pPr>
-            <a:lvl2pPr>
-              <a:defRPr sz="2800"/>
-            </a:lvl2pPr>
-            <a:lvl3pPr>
-              <a:defRPr sz="2400"/>
-            </a:lvl3pPr>
-            <a:lvl4pPr>
-              <a:defRPr sz="2000"/>
-            </a:lvl4pPr>
-            <a:lvl5pPr>
-              <a:defRPr sz="2000"/>
-            </a:lvl5pPr>
-            <a:lvl6pPr>
-              <a:defRPr sz="2000"/>
-            </a:lvl6pPr>
-            <a:lvl7pPr>
-              <a:defRPr sz="2000"/>
-            </a:lvl7pPr>
-            <a:lvl8pPr>
-              <a:defRPr sz="2000"/>
-            </a:lvl8pPr>
-            <a:lvl9pPr>
-              <a:defRPr sz="2000"/>
-            </a:lvl9pPr>
-          </a:lstStyle>
-          <a:p>
-            <a:pPr lvl="0"/>
-            <a:endParaRPr lang="en-US" dirty="0"/>
-          </a:p>
-        </p:txBody>
-      </p:sp>
-      <p:sp>
-        <p:nvSpPr>
-          <p:cNvPr id="4" name="Text Placeholder 3">
-            <a:extLst>
-              <a:ext uri="{FF2B5EF4-FFF2-40B4-BE49-F238E27FC236}">
-                <a16:creationId xmlns:a16="http://schemas.microsoft.com/office/drawing/2014/main" id="{45A73796-F46A-DF49-5C20-882964226AE5}"/>
-              </a:ext>
-            </a:extLst>
-          </p:cNvPr>
-          <p:cNvSpPr>
-            <a:spLocks noGrp="1"/>
-          </p:cNvSpPr>
-          <p:nvPr>
-            <p:ph type="body" sz="half" idx="2"/>
-          </p:nvPr>
-        </p:nvSpPr>
-        <p:spPr>
-          <a:xfrm>
-            <a:off x="839789" y="2057400"/>
-            <a:ext cx="3198812" cy="3811588"/>
-          </a:xfrm>
-        </p:spPr>
-        <p:txBody>
-          <a:bodyPr/>
-          <a:lstStyle>
-            <a:lvl1pPr marL="0" indent="0">
-              <a:buNone/>
-              <a:defRPr sz="1600"/>
-            </a:lvl1pPr>
-            <a:lvl2pPr marL="457200" indent="0">
-              <a:buNone/>
-              <a:defRPr sz="1400"/>
-            </a:lvl2pPr>
-            <a:lvl3pPr marL="914400" indent="0">
-              <a:buNone/>
-              <a:defRPr sz="1200"/>
-            </a:lvl3pPr>
-            <a:lvl4pPr marL="1371600" indent="0">
-              <a:buNone/>
-              <a:defRPr sz="1000"/>
-            </a:lvl4pPr>
-            <a:lvl5pPr marL="1828800" indent="0">
-              <a:buNone/>
-              <a:defRPr sz="1000"/>
-            </a:lvl5pPr>
-            <a:lvl6pPr marL="2286000" indent="0">
-              <a:buNone/>
-              <a:defRPr sz="1000"/>
-            </a:lvl6pPr>
-            <a:lvl7pPr marL="2743200" indent="0">
-              <a:buNone/>
-              <a:defRPr sz="1000"/>
-            </a:lvl7pPr>
-            <a:lvl8pPr marL="3200400" indent="0">
-              <a:buNone/>
-              <a:defRPr sz="1000"/>
-            </a:lvl8pPr>
-            <a:lvl9pPr marL="3657600" indent="0">
-              <a:buNone/>
-              <a:defRPr sz="1000"/>
-            </a:lvl9pPr>
-          </a:lstStyle>
-          <a:p>
-            <a:pPr lvl="0"/>
-            <a:r>
-              <a:rPr lang="en-US"/>
-              <a:t>Click to edit Master text styles</a:t>
-            </a:r>
-          </a:p>
-        </p:txBody>
-      </p:sp>
-    </p:spTree>
-    <p:extLst>
-      <p:ext uri="{BB962C8B-B14F-4D97-AF65-F5344CB8AC3E}">
-        <p14:creationId xmlns:p14="http://schemas.microsoft.com/office/powerpoint/2010/main" val="2376296454"/>
-      </p:ext>
-    </p:extLst>
-  </p:cSld>
-  <p:clrMapOvr>
-    <a:masterClrMapping/>
-  </p:clrMapOvr>
-</p:sldLayout>
-</file>
-
-<file path=ppt/slideLayouts/slideLayout5.xml><?xml version="1.0" encoding="utf-8"?>
-<p:sldLayout xmlns:a="http://schemas.openxmlformats.org/drawingml/2006/main" xmlns:r="http://schemas.openxmlformats.org/officeDocument/2006/relationships" xmlns:p="http://schemas.openxmlformats.org/presentationml/2006/main" type="titleOnly" preserve="1">
-  <p:cSld name="Title Only">
-    <p:spTree>
-      <p:nvGrpSpPr>
-        <p:cNvPr id="1" name=""/>
-        <p:cNvGrpSpPr/>
-        <p:nvPr/>
-      </p:nvGrpSpPr>
-      <p:grpSpPr>
-        <a:xfrm>
-          <a:off x="0" y="0"/>
-          <a:ext cx="0" cy="0"/>
-          <a:chOff x="0" y="0"/>
-          <a:chExt cx="0" cy="0"/>
-        </a:xfrm>
-      </p:grpSpPr>
-      <p:pic>
-        <p:nvPicPr>
-          <p:cNvPr id="6" name="Picture 5" descr="A blue and white background&#10;&#10;Description automatically generated">
-            <a:extLst>
-              <a:ext uri="{FF2B5EF4-FFF2-40B4-BE49-F238E27FC236}">
-                <a16:creationId xmlns:a16="http://schemas.microsoft.com/office/drawing/2014/main" id="{E9D176C5-3A79-A2CD-AD3A-EBEDC967091C}"/>
-              </a:ext>
-            </a:extLst>
-          </p:cNvPr>
-          <p:cNvPicPr>
-            <a:picLocks noChangeAspect="1"/>
-          </p:cNvPicPr>
-          <p:nvPr userDrawn="1"/>
-        </p:nvPicPr>
-        <p:blipFill>
-          <a:blip r:embed="rId2">
-            <a:alphaModFix amt="85000"/>
-            <a:extLst>
-              <a:ext uri="{28A0092B-C50C-407E-A947-70E740481C1C}">
-                <a14:useLocalDpi xmlns:a14="http://schemas.microsoft.com/office/drawing/2010/main" val="0"/>
-              </a:ext>
-              <a:ext uri="{837473B0-CC2E-450A-ABE3-18F120FF3D39}">
-                <a1611:picAttrSrcUrl xmlns:a1611="http://schemas.microsoft.com/office/drawing/2016/11/main" r:id="rId3"/>
-              </a:ext>
-            </a:extLst>
-          </a:blip>
-          <a:stretch>
-            <a:fillRect/>
-          </a:stretch>
-        </p:blipFill>
-        <p:spPr>
-          <a:xfrm>
-            <a:off x="-586397" y="0"/>
-            <a:ext cx="13740714" cy="10305536"/>
-          </a:xfrm>
-          <a:prstGeom prst="rect">
-            <a:avLst/>
-          </a:prstGeom>
-        </p:spPr>
-      </p:pic>
       <p:sp>
         <p:nvSpPr>
           <p:cNvPr id="2" name="Title 1">
@@ -1009,18 +1609,62 @@
             <p:ph type="title"/>
           </p:nvPr>
         </p:nvSpPr>
-        <p:spPr/>
+        <p:spPr>
+          <a:xfrm>
+            <a:off x="1681018" y="2558473"/>
+            <a:ext cx="6973455" cy="3694545"/>
+          </a:xfrm>
+        </p:spPr>
         <p:txBody>
           <a:bodyPr/>
           <a:lstStyle/>
           <a:p>
             <a:r>
-              <a:rPr lang="en-US"/>
+              <a:rPr lang="en-US" dirty="0"/>
               <a:t>Click to edit Master title style</a:t>
             </a:r>
           </a:p>
         </p:txBody>
       </p:sp>
+      <p:pic>
+        <p:nvPicPr>
+          <p:cNvPr id="4" name="Graphic 3" descr="Director's Chair with solid fill">
+            <a:extLst>
+              <a:ext uri="{FF2B5EF4-FFF2-40B4-BE49-F238E27FC236}">
+                <a16:creationId xmlns:a16="http://schemas.microsoft.com/office/drawing/2014/main" id="{4B411D7A-6620-911A-E9BF-7FE59196D545}"/>
+              </a:ext>
+            </a:extLst>
+          </p:cNvPr>
+          <p:cNvPicPr>
+            <a:picLocks noChangeAspect="1"/>
+          </p:cNvPicPr>
+          <p:nvPr userDrawn="1"/>
+        </p:nvPicPr>
+        <p:blipFill>
+          <a:blip r:embed="rId2">
+            <a:extLst>
+              <a:ext uri="{28A0092B-C50C-407E-A947-70E740481C1C}">
+                <a14:useLocalDpi xmlns:a14="http://schemas.microsoft.com/office/drawing/2010/main" val="0"/>
+              </a:ext>
+              <a:ext uri="{96DAC541-7B7A-43D3-8B79-37D633B846F1}">
+                <asvg:svgBlip xmlns:asvg="http://schemas.microsoft.com/office/drawing/2016/SVG/main" r:embed="rId3"/>
+              </a:ext>
+            </a:extLst>
+          </a:blip>
+          <a:stretch>
+            <a:fillRect/>
+          </a:stretch>
+        </p:blipFill>
+        <p:spPr>
+          <a:xfrm>
+            <a:off x="11178309" y="136236"/>
+            <a:ext cx="914400" cy="914400"/>
+          </a:xfrm>
+          <a:prstGeom prst="rect">
+            <a:avLst/>
+          </a:prstGeom>
+        </p:spPr>
+      </p:pic>
     </p:spTree>
     <p:extLst>
       <p:ext uri="{BB962C8B-B14F-4D97-AF65-F5344CB8AC3E}">
@@ -1038,9 +1682,19 @@
 <p:sldMaster xmlns:a="http://schemas.openxmlformats.org/drawingml/2006/main" xmlns:r="http://schemas.openxmlformats.org/officeDocument/2006/relationships" xmlns:p="http://schemas.openxmlformats.org/presentationml/2006/main">
   <p:cSld>
     <p:bg>
-      <p:bgRef idx="1001">
-        <a:schemeClr val="bg1"/>
-      </p:bgRef>
+      <p:bgPr>
+        <a:pattFill prst="pct10">
+          <a:fgClr>
+            <a:schemeClr val="accent4">
+              <a:lumMod val="75000"/>
+            </a:schemeClr>
+          </a:fgClr>
+          <a:bgClr>
+            <a:schemeClr val="bg1"/>
+          </a:bgClr>
+        </a:pattFill>
+        <a:effectLst/>
+      </p:bgPr>
     </p:bg>
     <p:spTree>
       <p:nvGrpSpPr>
@@ -1056,46 +1710,6 @@
           <a:chExt cx="0" cy="0"/>
         </a:xfrm>
       </p:grpSpPr>
-      <p:pic>
-        <p:nvPicPr>
-          <p:cNvPr id="7" name="Picture 6" descr="A blue and white background&#10;&#10;Description automatically generated">
-            <a:extLst>
-              <a:ext uri="{FF2B5EF4-FFF2-40B4-BE49-F238E27FC236}">
-                <a16:creationId xmlns:a16="http://schemas.microsoft.com/office/drawing/2014/main" id="{5F3B6B81-6805-3B38-4F75-DE46A035B4E7}"/>
-              </a:ext>
-            </a:extLst>
-          </p:cNvPr>
-          <p:cNvPicPr>
-            <a:picLocks noChangeAspect="1"/>
-          </p:cNvPicPr>
-          <p:nvPr userDrawn="1"/>
-        </p:nvPicPr>
-        <p:blipFill>
-          <a:blip r:embed="rId7">
-            <a:alphaModFix amt="85000"/>
-            <a:extLst>
-              <a:ext uri="{28A0092B-C50C-407E-A947-70E740481C1C}">
-                <a14:useLocalDpi xmlns:a14="http://schemas.microsoft.com/office/drawing/2010/main" val="0"/>
-              </a:ext>
-              <a:ext uri="{837473B0-CC2E-450A-ABE3-18F120FF3D39}">
-                <a1611:picAttrSrcUrl xmlns:a1611="http://schemas.microsoft.com/office/drawing/2016/11/main" r:id="rId8"/>
-              </a:ext>
-            </a:extLst>
-          </a:blip>
-          <a:stretch>
-            <a:fillRect/>
-          </a:stretch>
-        </p:blipFill>
-        <p:spPr>
-          <a:xfrm>
-            <a:off x="-576649" y="13215"/>
-            <a:ext cx="13740714" cy="10305536"/>
-          </a:xfrm>
-          <a:prstGeom prst="rect">
-            <a:avLst/>
-          </a:prstGeom>
-        </p:spPr>
-      </p:pic>
       <p:sp>
         <p:nvSpPr>
           <p:cNvPr id="2" name="Title Placeholder 1">
@@ -1128,7 +1742,7 @@
           <a:lstStyle/>
           <a:p>
             <a:r>
-              <a:rPr lang="en-US"/>
+              <a:rPr lang="en-US" dirty="0"/>
               <a:t>Click to edit Master title style</a:t>
             </a:r>
           </a:p>
@@ -1167,35 +1781,35 @@
           <a:p>
             <a:pPr lvl="0"/>
             <a:r>
-              <a:rPr lang="en-US"/>
+              <a:rPr lang="en-US" dirty="0"/>
               <a:t>Click to edit Master text styles</a:t>
             </a:r>
           </a:p>
           <a:p>
             <a:pPr lvl="1"/>
             <a:r>
-              <a:rPr lang="en-US"/>
+              <a:rPr lang="en-US" dirty="0"/>
               <a:t>Second level</a:t>
             </a:r>
           </a:p>
           <a:p>
             <a:pPr lvl="2"/>
             <a:r>
-              <a:rPr lang="en-US"/>
+              <a:rPr lang="en-US" dirty="0"/>
               <a:t>Third level</a:t>
             </a:r>
           </a:p>
           <a:p>
             <a:pPr lvl="3"/>
             <a:r>
-              <a:rPr lang="en-US"/>
+              <a:rPr lang="en-US" dirty="0"/>
               <a:t>Fourth level</a:t>
             </a:r>
           </a:p>
           <a:p>
             <a:pPr lvl="4"/>
             <a:r>
-              <a:rPr lang="en-US"/>
+              <a:rPr lang="en-US" dirty="0"/>
               <a:t>Fifth level</a:t>
             </a:r>
           </a:p>
@@ -1203,141 +1817,220 @@
       </p:sp>
       <p:sp>
         <p:nvSpPr>
-          <p:cNvPr id="4" name="Date Placeholder 3">
+          <p:cNvPr id="8" name="TextBox 7">
             <a:extLst>
               <a:ext uri="{FF2B5EF4-FFF2-40B4-BE49-F238E27FC236}">
-                <a16:creationId xmlns:a16="http://schemas.microsoft.com/office/drawing/2014/main" id="{A303320D-CBC1-CC99-B99F-79E090FCA54E}"/>
+                <a16:creationId xmlns:a16="http://schemas.microsoft.com/office/drawing/2014/main" id="{019E6193-8C6F-6316-A214-67A6A4516A33}"/>
               </a:ext>
             </a:extLst>
           </p:cNvPr>
-          <p:cNvSpPr>
-            <a:spLocks noGrp="1"/>
-          </p:cNvSpPr>
-          <p:nvPr>
-            <p:ph type="dt" sz="half" idx="2"/>
-          </p:nvPr>
+          <p:cNvSpPr txBox="1"/>
+          <p:nvPr userDrawn="1"/>
         </p:nvSpPr>
         <p:spPr>
           <a:xfrm>
-            <a:off x="838200" y="6356350"/>
-            <a:ext cx="2743200" cy="365125"/>
+            <a:off x="838200" y="6488539"/>
+            <a:ext cx="2743200" cy="276999"/>
           </a:xfrm>
           <a:prstGeom prst="rect">
             <a:avLst/>
           </a:prstGeom>
+          <a:noFill/>
         </p:spPr>
         <p:txBody>
-          <a:bodyPr vert="horz" lIns="91440" tIns="45720" rIns="91440" bIns="45720" rtlCol="0" anchor="ctr"/>
-          <a:lstStyle>
-            <a:lvl1pPr algn="l">
-              <a:defRPr sz="1200">
-                <a:solidFill>
-                  <a:schemeClr val="tx1">
-                    <a:tint val="75000"/>
-                  </a:schemeClr>
-                </a:solidFill>
-              </a:defRPr>
-            </a:lvl1pPr>
-          </a:lstStyle>
-          <a:p>
-            <a:fld id="{EAAB551D-C240-4173-9070-E4669C11B4CC}" type="datetimeFigureOut">
-              <a:rPr lang="en-US" smtClean="0"/>
-              <a:t>4/25/2024</a:t>
-            </a:fld>
-            <a:endParaRPr lang="en-US"/>
+          <a:bodyPr wrap="square" rtlCol="0">
+            <a:spAutoFit/>
+          </a:bodyPr>
+          <a:lstStyle/>
+          <a:p>
+            <a:r>
+              <a:rPr lang="en-US" sz="1200" dirty="0"/>
+              <a:t>Thursday, April 25, 2024</a:t>
+            </a:r>
           </a:p>
         </p:txBody>
       </p:sp>
       <p:sp>
         <p:nvSpPr>
-          <p:cNvPr id="5" name="Footer Placeholder 4">
+          <p:cNvPr id="9" name="TextBox 8">
             <a:extLst>
               <a:ext uri="{FF2B5EF4-FFF2-40B4-BE49-F238E27FC236}">
-                <a16:creationId xmlns:a16="http://schemas.microsoft.com/office/drawing/2014/main" id="{D903B7BF-9A9E-6D86-8739-4D3AAD8C19AD}"/>
+                <a16:creationId xmlns:a16="http://schemas.microsoft.com/office/drawing/2014/main" id="{E2F28948-B8AC-40D2-682F-E0F43E63F7DB}"/>
               </a:ext>
             </a:extLst>
           </p:cNvPr>
-          <p:cNvSpPr>
-            <a:spLocks noGrp="1"/>
-          </p:cNvSpPr>
-          <p:nvPr>
-            <p:ph type="ftr" sz="quarter" idx="3"/>
-          </p:nvPr>
+          <p:cNvSpPr txBox="1"/>
+          <p:nvPr userDrawn="1"/>
         </p:nvSpPr>
         <p:spPr>
           <a:xfrm>
-            <a:off x="4038600" y="6356350"/>
-            <a:ext cx="4114800" cy="365125"/>
+            <a:off x="8610600" y="6464589"/>
+            <a:ext cx="2743200" cy="276999"/>
           </a:xfrm>
           <a:prstGeom prst="rect">
             <a:avLst/>
           </a:prstGeom>
+          <a:noFill/>
         </p:spPr>
         <p:txBody>
-          <a:bodyPr vert="horz" lIns="91440" tIns="45720" rIns="91440" bIns="45720" rtlCol="0" anchor="ctr"/>
-          <a:lstStyle>
-            <a:lvl1pPr algn="ctr">
-              <a:defRPr sz="1200">
-                <a:solidFill>
-                  <a:schemeClr val="tx1">
-                    <a:tint val="75000"/>
-                  </a:schemeClr>
-                </a:solidFill>
-              </a:defRPr>
-            </a:lvl1pPr>
-          </a:lstStyle>
-          <a:p>
-            <a:endParaRPr lang="en-US"/>
+          <a:bodyPr wrap="square" rtlCol="0">
+            <a:spAutoFit/>
+          </a:bodyPr>
+          <a:lstStyle/>
+          <a:p>
+            <a:pPr algn="r"/>
+            <a:fld id="{88386037-D50D-4E56-8446-AAC1D718ACF0}" type="slidenum">
+              <a:rPr lang="en-US" sz="1200" smtClean="0"/>
+              <a:t>‹#›</a:t>
+            </a:fld>
+            <a:endParaRPr lang="en-US" dirty="0"/>
           </a:p>
         </p:txBody>
       </p:sp>
-      <p:sp>
-        <p:nvSpPr>
-          <p:cNvPr id="6" name="Slide Number Placeholder 5">
+      <p:grpSp>
+        <p:nvGrpSpPr>
+          <p:cNvPr id="5" name="Group 4">
             <a:extLst>
               <a:ext uri="{FF2B5EF4-FFF2-40B4-BE49-F238E27FC236}">
-                <a16:creationId xmlns:a16="http://schemas.microsoft.com/office/drawing/2014/main" id="{D5578A5A-2A7D-3729-8E63-7720E222A61B}"/>
+                <a16:creationId xmlns:a16="http://schemas.microsoft.com/office/drawing/2014/main" id="{D87BA2D8-9332-D722-8E1F-C20F1DE10E6A}"/>
               </a:ext>
             </a:extLst>
           </p:cNvPr>
-          <p:cNvSpPr>
-            <a:spLocks noGrp="1"/>
-          </p:cNvSpPr>
-          <p:nvPr>
-            <p:ph type="sldNum" sz="quarter" idx="4"/>
-          </p:nvPr>
-        </p:nvSpPr>
-        <p:spPr>
-          <a:xfrm>
-            <a:off x="8610600" y="6356350"/>
-            <a:ext cx="2743200" cy="365125"/>
+          <p:cNvGrpSpPr/>
+          <p:nvPr userDrawn="1"/>
+        </p:nvGrpSpPr>
+        <p:grpSpPr>
+          <a:xfrm rot="10800000">
+            <a:off x="10760364" y="365125"/>
+            <a:ext cx="290946" cy="3565236"/>
+            <a:chOff x="1279236" y="2899353"/>
+            <a:chExt cx="290946" cy="3565236"/>
           </a:xfrm>
-          <a:prstGeom prst="rect">
-            <a:avLst/>
-          </a:prstGeom>
-        </p:spPr>
-        <p:txBody>
-          <a:bodyPr vert="horz" lIns="91440" tIns="45720" rIns="91440" bIns="45720" rtlCol="0" anchor="ctr"/>
-          <a:lstStyle>
-            <a:lvl1pPr algn="r">
-              <a:defRPr sz="1200">
-                <a:solidFill>
-                  <a:schemeClr val="tx1">
-                    <a:tint val="75000"/>
-                  </a:schemeClr>
-                </a:solidFill>
-              </a:defRPr>
-            </a:lvl1pPr>
-          </a:lstStyle>
-          <a:p>
-            <a:fld id="{DB9790A6-DF32-4548-A1C0-39AC018C78C6}" type="slidenum">
-              <a:rPr lang="en-US" smtClean="0"/>
-              <a:t>‹#›</a:t>
-            </a:fld>
-            <a:endParaRPr lang="en-US"/>
-          </a:p>
-        </p:txBody>
-      </p:sp>
+        </p:grpSpPr>
+        <p:cxnSp>
+          <p:nvCxnSpPr>
+            <p:cNvPr id="6" name="Straight Connector 5">
+              <a:extLst>
+                <a:ext uri="{FF2B5EF4-FFF2-40B4-BE49-F238E27FC236}">
+                  <a16:creationId xmlns:a16="http://schemas.microsoft.com/office/drawing/2014/main" id="{BD32DB13-A2D5-7FAE-CD55-D1D97248EBD0}"/>
+                </a:ext>
+              </a:extLst>
+            </p:cNvPr>
+            <p:cNvCxnSpPr/>
+            <p:nvPr userDrawn="1"/>
+          </p:nvCxnSpPr>
+          <p:spPr>
+            <a:xfrm>
+              <a:off x="1431636" y="2899353"/>
+              <a:ext cx="0" cy="3565236"/>
+            </a:xfrm>
+            <a:prstGeom prst="line">
+              <a:avLst/>
+            </a:prstGeom>
+            <a:ln w="76200">
+              <a:solidFill>
+                <a:srgbClr val="3540A5"/>
+              </a:solidFill>
+            </a:ln>
+          </p:spPr>
+          <p:style>
+            <a:lnRef idx="1">
+              <a:schemeClr val="accent1"/>
+            </a:lnRef>
+            <a:fillRef idx="0">
+              <a:schemeClr val="accent1"/>
+            </a:fillRef>
+            <a:effectRef idx="0">
+              <a:schemeClr val="accent1"/>
+            </a:effectRef>
+            <a:fontRef idx="minor">
+              <a:schemeClr val="tx1"/>
+            </a:fontRef>
+          </p:style>
+        </p:cxnSp>
+        <p:cxnSp>
+          <p:nvCxnSpPr>
+            <p:cNvPr id="7" name="Straight Connector 6">
+              <a:extLst>
+                <a:ext uri="{FF2B5EF4-FFF2-40B4-BE49-F238E27FC236}">
+                  <a16:creationId xmlns:a16="http://schemas.microsoft.com/office/drawing/2014/main" id="{76BAA9DF-5596-0B10-4EA7-A0C0657A0387}"/>
+                </a:ext>
+              </a:extLst>
+            </p:cNvPr>
+            <p:cNvCxnSpPr/>
+            <p:nvPr userDrawn="1"/>
+          </p:nvCxnSpPr>
+          <p:spPr>
+            <a:xfrm>
+              <a:off x="1279236" y="3812829"/>
+              <a:ext cx="0" cy="2651760"/>
+            </a:xfrm>
+            <a:prstGeom prst="line">
+              <a:avLst/>
+            </a:prstGeom>
+            <a:ln w="76200">
+              <a:solidFill>
+                <a:srgbClr val="3540A5"/>
+              </a:solidFill>
+            </a:ln>
+          </p:spPr>
+          <p:style>
+            <a:lnRef idx="1">
+              <a:schemeClr val="accent1"/>
+            </a:lnRef>
+            <a:fillRef idx="0">
+              <a:schemeClr val="accent1"/>
+            </a:fillRef>
+            <a:effectRef idx="0">
+              <a:schemeClr val="accent1"/>
+            </a:effectRef>
+            <a:fontRef idx="minor">
+              <a:schemeClr val="tx1"/>
+            </a:fontRef>
+          </p:style>
+        </p:cxnSp>
+        <p:cxnSp>
+          <p:nvCxnSpPr>
+            <p:cNvPr id="10" name="Straight Connector 9">
+              <a:extLst>
+                <a:ext uri="{FF2B5EF4-FFF2-40B4-BE49-F238E27FC236}">
+                  <a16:creationId xmlns:a16="http://schemas.microsoft.com/office/drawing/2014/main" id="{0CFF5FEC-5C9A-595D-182C-61FA9A580993}"/>
+                </a:ext>
+              </a:extLst>
+            </p:cNvPr>
+            <p:cNvCxnSpPr/>
+            <p:nvPr userDrawn="1"/>
+          </p:nvCxnSpPr>
+          <p:spPr>
+            <a:xfrm>
+              <a:off x="1570182" y="4727229"/>
+              <a:ext cx="0" cy="1737360"/>
+            </a:xfrm>
+            <a:prstGeom prst="line">
+              <a:avLst/>
+            </a:prstGeom>
+            <a:ln w="76200">
+              <a:solidFill>
+                <a:srgbClr val="3540A5"/>
+              </a:solidFill>
+            </a:ln>
+          </p:spPr>
+          <p:style>
+            <a:lnRef idx="1">
+              <a:schemeClr val="accent1"/>
+            </a:lnRef>
+            <a:fillRef idx="0">
+              <a:schemeClr val="accent1"/>
+            </a:fillRef>
+            <a:effectRef idx="0">
+              <a:schemeClr val="accent1"/>
+            </a:effectRef>
+            <a:fontRef idx="minor">
+              <a:schemeClr val="tx1"/>
+            </a:fontRef>
+          </p:style>
+        </p:cxnSp>
+      </p:grpSp>
     </p:spTree>
     <p:extLst>
       <p:ext uri="{BB962C8B-B14F-4D97-AF65-F5344CB8AC3E}">
@@ -1350,9 +2043,9 @@
     <p:sldLayoutId id="2147483649" r:id="rId1"/>
     <p:sldLayoutId id="2147483650" r:id="rId2"/>
     <p:sldLayoutId id="2147483652" r:id="rId3"/>
-    <p:sldLayoutId id="2147483656" r:id="rId4"/>
-    <p:sldLayoutId id="2147483654" r:id="rId5"/>
+    <p:sldLayoutId id="2147483654" r:id="rId4"/>
   </p:sldLayoutIdLst>
+  <p:hf sldNum="0" hdr="0" ftr="0" dt="0"/>
   <p:txStyles>
     <p:titleStyle>
       <a:lvl1pPr algn="l" defTabSz="914400" rtl="0" eaLnBrk="1" latinLnBrk="0" hangingPunct="1">
@@ -1383,7 +2076,7 @@
         </a:spcBef>
         <a:buFont typeface="Arial" panose="020B0604020202020204" pitchFamily="34" charset="0"/>
         <a:buChar char="•"/>
-        <a:defRPr sz="2800" kern="1200">
+        <a:defRPr sz="1800" kern="1200">
           <a:solidFill>
             <a:schemeClr val="tx1"/>
           </a:solidFill>
@@ -1401,7 +2094,7 @@
         </a:spcBef>
         <a:buFont typeface="Arial" panose="020B0604020202020204" pitchFamily="34" charset="0"/>
         <a:buChar char="•"/>
-        <a:defRPr sz="2400" kern="1200">
+        <a:defRPr sz="1800" kern="1200">
           <a:solidFill>
             <a:schemeClr val="tx1"/>
           </a:solidFill>
@@ -1419,7 +2112,7 @@
         </a:spcBef>
         <a:buFont typeface="Arial" panose="020B0604020202020204" pitchFamily="34" charset="0"/>
         <a:buChar char="•"/>
-        <a:defRPr sz="2000" kern="1200">
+        <a:defRPr sz="1800" kern="1200">
           <a:solidFill>
             <a:schemeClr val="tx1"/>
           </a:solidFill>
@@ -1975,4 +2668,299 @@
     </a:ext>
   </a:extLst>
 </a:theme>
+</file>
+
+<file path=ppt/theme/theme2.xml><?xml version="1.0" encoding="utf-8"?>
+<a:theme xmlns:a="http://schemas.openxmlformats.org/drawingml/2006/main" name="Office Theme">
+  <a:themeElements>
+    <a:clrScheme name="Office">
+      <a:dk1>
+        <a:sysClr val="windowText" lastClr="000000"/>
+      </a:dk1>
+      <a:lt1>
+        <a:sysClr val="window" lastClr="FFFFFF"/>
+      </a:lt1>
+      <a:dk2>
+        <a:srgbClr val="44546A"/>
+      </a:dk2>
+      <a:lt2>
+        <a:srgbClr val="E7E6E6"/>
+      </a:lt2>
+      <a:accent1>
+        <a:srgbClr val="4472C4"/>
+      </a:accent1>
+      <a:accent2>
+        <a:srgbClr val="ED7D31"/>
+      </a:accent2>
+      <a:accent3>
+        <a:srgbClr val="A5A5A5"/>
+      </a:accent3>
+      <a:accent4>
+        <a:srgbClr val="FFC000"/>
+      </a:accent4>
+      <a:accent5>
+        <a:srgbClr val="5B9BD5"/>
+      </a:accent5>
+      <a:accent6>
+        <a:srgbClr val="70AD47"/>
+      </a:accent6>
+      <a:hlink>
+        <a:srgbClr val="0563C1"/>
+      </a:hlink>
+      <a:folHlink>
+        <a:srgbClr val="954F72"/>
+      </a:folHlink>
+    </a:clrScheme>
+    <a:fontScheme name="Office">
+      <a:majorFont>
+        <a:latin typeface="Calibri Light" panose="020F0302020204030204"/>
+        <a:ea typeface=""/>
+        <a:cs typeface=""/>
+        <a:font script="Jpan" typeface="游ゴシック Light"/>
+        <a:font script="Hang" typeface="맑은 고딕"/>
+        <a:font script="Hans" typeface="等线 Light"/>
+        <a:font script="Hant" typeface="新細明體"/>
+        <a:font script="Arab" typeface="Times New Roman"/>
+        <a:font script="Hebr" typeface="Times New Roman"/>
+        <a:font script="Thai" typeface="Angsana New"/>
+        <a:font script="Ethi" typeface="Nyala"/>
+        <a:font script="Beng" typeface="Vrinda"/>
+        <a:font script="Gujr" typeface="Shruti"/>
+        <a:font script="Khmr" typeface="MoolBoran"/>
+        <a:font script="Knda" typeface="Tunga"/>
+        <a:font script="Guru" typeface="Raavi"/>
+        <a:font script="Cans" typeface="Euphemia"/>
+        <a:font script="Cher" typeface="Plantagenet Cherokee"/>
+        <a:font script="Yiii" typeface="Microsoft Yi Baiti"/>
+        <a:font script="Tibt" typeface="Microsoft Himalaya"/>
+        <a:font script="Thaa" typeface="MV Boli"/>
+        <a:font script="Deva" typeface="Mangal"/>
+        <a:font script="Telu" typeface="Gautami"/>
+        <a:font script="Taml" typeface="Latha"/>
+        <a:font script="Syrc" typeface="Estrangelo Edessa"/>
+        <a:font script="Orya" typeface="Kalinga"/>
+        <a:font script="Mlym" typeface="Kartika"/>
+        <a:font script="Laoo" typeface="DokChampa"/>
+        <a:font script="Sinh" typeface="Iskoola Pota"/>
+        <a:font script="Mong" typeface="Mongolian Baiti"/>
+        <a:font script="Viet" typeface="Times New Roman"/>
+        <a:font script="Uigh" typeface="Microsoft Uighur"/>
+        <a:font script="Geor" typeface="Sylfaen"/>
+        <a:font script="Armn" typeface="Arial"/>
+        <a:font script="Bugi" typeface="Leelawadee UI"/>
+        <a:font script="Bopo" typeface="Microsoft JhengHei"/>
+        <a:font script="Java" typeface="Javanese Text"/>
+        <a:font script="Lisu" typeface="Segoe UI"/>
+        <a:font script="Mymr" typeface="Myanmar Text"/>
+        <a:font script="Nkoo" typeface="Ebrima"/>
+        <a:font script="Olck" typeface="Nirmala UI"/>
+        <a:font script="Osma" typeface="Ebrima"/>
+        <a:font script="Phag" typeface="Phagspa"/>
+        <a:font script="Syrn" typeface="Estrangelo Edessa"/>
+        <a:font script="Syrj" typeface="Estrangelo Edessa"/>
+        <a:font script="Syre" typeface="Estrangelo Edessa"/>
+        <a:font script="Sora" typeface="Nirmala UI"/>
+        <a:font script="Tale" typeface="Microsoft Tai Le"/>
+        <a:font script="Talu" typeface="Microsoft New Tai Lue"/>
+        <a:font script="Tfng" typeface="Ebrima"/>
+      </a:majorFont>
+      <a:minorFont>
+        <a:latin typeface="Calibri" panose="020F0502020204030204"/>
+        <a:ea typeface=""/>
+        <a:cs typeface=""/>
+        <a:font script="Jpan" typeface="游ゴシック"/>
+        <a:font script="Hang" typeface="맑은 고딕"/>
+        <a:font script="Hans" typeface="等线"/>
+        <a:font script="Hant" typeface="新細明體"/>
+        <a:font script="Arab" typeface="Arial"/>
+        <a:font script="Hebr" typeface="Arial"/>
+        <a:font script="Thai" typeface="Cordia New"/>
+        <a:font script="Ethi" typeface="Nyala"/>
+        <a:font script="Beng" typeface="Vrinda"/>
+        <a:font script="Gujr" typeface="Shruti"/>
+        <a:font script="Khmr" typeface="DaunPenh"/>
+        <a:font script="Knda" typeface="Tunga"/>
+        <a:font script="Guru" typeface="Raavi"/>
+        <a:font script="Cans" typeface="Euphemia"/>
+        <a:font script="Cher" typeface="Plantagenet Cherokee"/>
+        <a:font script="Yiii" typeface="Microsoft Yi Baiti"/>
+        <a:font script="Tibt" typeface="Microsoft Himalaya"/>
+        <a:font script="Thaa" typeface="MV Boli"/>
+        <a:font script="Deva" typeface="Mangal"/>
+        <a:font script="Telu" typeface="Gautami"/>
+        <a:font script="Taml" typeface="Latha"/>
+        <a:font script="Syrc" typeface="Estrangelo Edessa"/>
+        <a:font script="Orya" typeface="Kalinga"/>
+        <a:font script="Mlym" typeface="Kartika"/>
+        <a:font script="Laoo" typeface="DokChampa"/>
+        <a:font script="Sinh" typeface="Iskoola Pota"/>
+        <a:font script="Mong" typeface="Mongolian Baiti"/>
+        <a:font script="Viet" typeface="Arial"/>
+        <a:font script="Uigh" typeface="Microsoft Uighur"/>
+        <a:font script="Geor" typeface="Sylfaen"/>
+        <a:font script="Armn" typeface="Arial"/>
+        <a:font script="Bugi" typeface="Leelawadee UI"/>
+        <a:font script="Bopo" typeface="Microsoft JhengHei"/>
+        <a:font script="Java" typeface="Javanese Text"/>
+        <a:font script="Lisu" typeface="Segoe UI"/>
+        <a:font script="Mymr" typeface="Myanmar Text"/>
+        <a:font script="Nkoo" typeface="Ebrima"/>
+        <a:font script="Olck" typeface="Nirmala UI"/>
+        <a:font script="Osma" typeface="Ebrima"/>
+        <a:font script="Phag" typeface="Phagspa"/>
+        <a:font script="Syrn" typeface="Estrangelo Edessa"/>
+        <a:font script="Syrj" typeface="Estrangelo Edessa"/>
+        <a:font script="Syre" typeface="Estrangelo Edessa"/>
+        <a:font script="Sora" typeface="Nirmala UI"/>
+        <a:font script="Tale" typeface="Microsoft Tai Le"/>
+        <a:font script="Talu" typeface="Microsoft New Tai Lue"/>
+        <a:font script="Tfng" typeface="Ebrima"/>
+      </a:minorFont>
+    </a:fontScheme>
+    <a:fmtScheme name="Office">
+      <a:fillStyleLst>
+        <a:solidFill>
+          <a:schemeClr val="phClr"/>
+        </a:solidFill>
+        <a:gradFill rotWithShape="1">
+          <a:gsLst>
+            <a:gs pos="0">
+              <a:schemeClr val="phClr">
+                <a:lumMod val="110000"/>
+                <a:satMod val="105000"/>
+                <a:tint val="67000"/>
+              </a:schemeClr>
+            </a:gs>
+            <a:gs pos="50000">
+              <a:schemeClr val="phClr">
+                <a:lumMod val="105000"/>
+                <a:satMod val="103000"/>
+                <a:tint val="73000"/>
+              </a:schemeClr>
+            </a:gs>
+            <a:gs pos="100000">
+              <a:schemeClr val="phClr">
+                <a:lumMod val="105000"/>
+                <a:satMod val="109000"/>
+                <a:tint val="81000"/>
+              </a:schemeClr>
+            </a:gs>
+          </a:gsLst>
+          <a:lin ang="5400000" scaled="0"/>
+        </a:gradFill>
+        <a:gradFill rotWithShape="1">
+          <a:gsLst>
+            <a:gs pos="0">
+              <a:schemeClr val="phClr">
+                <a:satMod val="103000"/>
+                <a:lumMod val="102000"/>
+                <a:tint val="94000"/>
+              </a:schemeClr>
+            </a:gs>
+            <a:gs pos="50000">
+              <a:schemeClr val="phClr">
+                <a:satMod val="110000"/>
+                <a:lumMod val="100000"/>
+                <a:shade val="100000"/>
+              </a:schemeClr>
+            </a:gs>
+            <a:gs pos="100000">
+              <a:schemeClr val="phClr">
+                <a:lumMod val="99000"/>
+                <a:satMod val="120000"/>
+                <a:shade val="78000"/>
+              </a:schemeClr>
+            </a:gs>
+          </a:gsLst>
+          <a:lin ang="5400000" scaled="0"/>
+        </a:gradFill>
+      </a:fillStyleLst>
+      <a:lnStyleLst>
+        <a:ln w="6350" cap="flat" cmpd="sng" algn="ctr">
+          <a:solidFill>
+            <a:schemeClr val="phClr"/>
+          </a:solidFill>
+          <a:prstDash val="solid"/>
+          <a:miter lim="800000"/>
+        </a:ln>
+        <a:ln w="12700" cap="flat" cmpd="sng" algn="ctr">
+          <a:solidFill>
+            <a:schemeClr val="phClr"/>
+          </a:solidFill>
+          <a:prstDash val="solid"/>
+          <a:miter lim="800000"/>
+        </a:ln>
+        <a:ln w="19050" cap="flat" cmpd="sng" algn="ctr">
+          <a:solidFill>
+            <a:schemeClr val="phClr"/>
+          </a:solidFill>
+          <a:prstDash val="solid"/>
+          <a:miter lim="800000"/>
+        </a:ln>
+      </a:lnStyleLst>
+      <a:effectStyleLst>
+        <a:effectStyle>
+          <a:effectLst/>
+        </a:effectStyle>
+        <a:effectStyle>
+          <a:effectLst/>
+        </a:effectStyle>
+        <a:effectStyle>
+          <a:effectLst>
+            <a:outerShdw blurRad="57150" dist="19050" dir="5400000" algn="ctr" rotWithShape="0">
+              <a:srgbClr val="000000">
+                <a:alpha val="63000"/>
+              </a:srgbClr>
+            </a:outerShdw>
+          </a:effectLst>
+        </a:effectStyle>
+      </a:effectStyleLst>
+      <a:bgFillStyleLst>
+        <a:solidFill>
+          <a:schemeClr val="phClr"/>
+        </a:solidFill>
+        <a:solidFill>
+          <a:schemeClr val="phClr">
+            <a:tint val="95000"/>
+            <a:satMod val="170000"/>
+          </a:schemeClr>
+        </a:solidFill>
+        <a:gradFill rotWithShape="1">
+          <a:gsLst>
+            <a:gs pos="0">
+              <a:schemeClr val="phClr">
+                <a:tint val="93000"/>
+                <a:satMod val="150000"/>
+                <a:shade val="98000"/>
+                <a:lumMod val="102000"/>
+              </a:schemeClr>
+            </a:gs>
+            <a:gs pos="50000">
+              <a:schemeClr val="phClr">
+                <a:tint val="98000"/>
+                <a:satMod val="130000"/>
+                <a:shade val="90000"/>
+                <a:lumMod val="103000"/>
+              </a:schemeClr>
+            </a:gs>
+            <a:gs pos="100000">
+              <a:schemeClr val="phClr">
+                <a:shade val="63000"/>
+                <a:satMod val="120000"/>
+              </a:schemeClr>
+            </a:gs>
+          </a:gsLst>
+          <a:lin ang="5400000" scaled="0"/>
+        </a:gradFill>
+      </a:bgFillStyleLst>
+    </a:fmtScheme>
+  </a:themeElements>
+  <a:objectDefaults/>
+  <a:extraClrSchemeLst/>
+  <a:extLst>
+    <a:ext uri="{05A4C25C-085E-4340-85A3-A5531E510DB2}">
+      <thm15:themeFamily xmlns:thm15="http://schemas.microsoft.com/office/thememl/2012/main" name="Office Theme" id="{62F939B6-93AF-4DB8-9C6B-D6C7DFDC589F}" vid="{4A3C46E8-61CC-4603-A589-7422A47A8E4A}"/>
+    </a:ext>
+  </a:extLst>
+</a:theme>
 </file>
--- a/Test.pptx
+++ b/Test.pptx
@@ -128,18 +128,26 @@
   <pc:docChgLst>
     <pc:chgData name="Rose Campos" userId="ea77ee4111b22c87" providerId="LiveId" clId="{DB73D6CF-4F2D-473F-BD00-F334C0FE62D6}"/>
     <pc:docChg chg="undo custSel addMainMaster delMainMaster modMainMaster">
-      <pc:chgData name="Rose Campos" userId="ea77ee4111b22c87" providerId="LiveId" clId="{DB73D6CF-4F2D-473F-BD00-F334C0FE62D6}" dt="2024-04-25T12:46:21.828" v="256"/>
+      <pc:chgData name="Rose Campos" userId="ea77ee4111b22c87" providerId="LiveId" clId="{DB73D6CF-4F2D-473F-BD00-F334C0FE62D6}" dt="2024-04-25T14:32:39.215" v="264" actId="14100"/>
       <pc:docMkLst>
         <pc:docMk/>
       </pc:docMkLst>
       <pc:sldMasterChg chg="addSp delSp modSp mod setBg addSldLayout delSldLayout modSldLayout">
-        <pc:chgData name="Rose Campos" userId="ea77ee4111b22c87" providerId="LiveId" clId="{DB73D6CF-4F2D-473F-BD00-F334C0FE62D6}" dt="2024-04-25T12:46:21.828" v="256"/>
+        <pc:chgData name="Rose Campos" userId="ea77ee4111b22c87" providerId="LiveId" clId="{DB73D6CF-4F2D-473F-BD00-F334C0FE62D6}" dt="2024-04-25T14:32:39.215" v="264" actId="14100"/>
         <pc:sldMasterMkLst>
           <pc:docMk/>
           <pc:sldMasterMk cId="1759527136" sldId="2147483648"/>
         </pc:sldMasterMkLst>
         <pc:spChg chg="mod">
-          <ac:chgData name="Rose Campos" userId="ea77ee4111b22c87" providerId="LiveId" clId="{DB73D6CF-4F2D-473F-BD00-F334C0FE62D6}" dt="2024-04-25T12:30:04.613" v="237" actId="255"/>
+          <ac:chgData name="Rose Campos" userId="ea77ee4111b22c87" providerId="LiveId" clId="{DB73D6CF-4F2D-473F-BD00-F334C0FE62D6}" dt="2024-04-25T14:32:34.044" v="263" actId="14100"/>
+          <ac:spMkLst>
+            <pc:docMk/>
+            <pc:sldMasterMk cId="1759527136" sldId="2147483648"/>
+            <ac:spMk id="2" creationId="{1A24EF3A-ABA4-6020-3930-927D14B473D6}"/>
+          </ac:spMkLst>
+        </pc:spChg>
+        <pc:spChg chg="mod">
+          <ac:chgData name="Rose Campos" userId="ea77ee4111b22c87" providerId="LiveId" clId="{DB73D6CF-4F2D-473F-BD00-F334C0FE62D6}" dt="2024-04-25T14:32:39.215" v="264" actId="14100"/>
           <ac:spMkLst>
             <pc:docMk/>
             <pc:sldMasterMk cId="1759527136" sldId="2147483648"/>
@@ -195,7 +203,7 @@
           </ac:grpSpMkLst>
         </pc:grpChg>
         <pc:grpChg chg="add mod">
-          <ac:chgData name="Rose Campos" userId="ea77ee4111b22c87" providerId="LiveId" clId="{DB73D6CF-4F2D-473F-BD00-F334C0FE62D6}" dt="2024-04-25T12:43:27.965" v="249" actId="1076"/>
+          <ac:chgData name="Rose Campos" userId="ea77ee4111b22c87" providerId="LiveId" clId="{DB73D6CF-4F2D-473F-BD00-F334C0FE62D6}" dt="2024-04-25T13:00:41.181" v="258" actId="14100"/>
           <ac:grpSpMkLst>
             <pc:docMk/>
             <pc:sldMasterMk cId="1759527136" sldId="2147483648"/>
@@ -219,7 +227,7 @@
           </ac:picMkLst>
         </pc:picChg>
         <pc:cxnChg chg="mod">
-          <ac:chgData name="Rose Campos" userId="ea77ee4111b22c87" providerId="LiveId" clId="{DB73D6CF-4F2D-473F-BD00-F334C0FE62D6}" dt="2024-04-25T12:43:15.200" v="246"/>
+          <ac:chgData name="Rose Campos" userId="ea77ee4111b22c87" providerId="LiveId" clId="{DB73D6CF-4F2D-473F-BD00-F334C0FE62D6}" dt="2024-04-25T14:31:51.869" v="259" actId="14100"/>
           <ac:cxnSpMkLst>
             <pc:docMk/>
             <pc:sldMasterMk cId="1759527136" sldId="2147483648"/>
@@ -227,7 +235,7 @@
           </ac:cxnSpMkLst>
         </pc:cxnChg>
         <pc:cxnChg chg="mod">
-          <ac:chgData name="Rose Campos" userId="ea77ee4111b22c87" providerId="LiveId" clId="{DB73D6CF-4F2D-473F-BD00-F334C0FE62D6}" dt="2024-04-25T12:43:15.200" v="246"/>
+          <ac:chgData name="Rose Campos" userId="ea77ee4111b22c87" providerId="LiveId" clId="{DB73D6CF-4F2D-473F-BD00-F334C0FE62D6}" dt="2024-04-25T14:31:56.106" v="260" actId="14100"/>
           <ac:cxnSpMkLst>
             <pc:docMk/>
             <pc:sldMasterMk cId="1759527136" sldId="2147483648"/>
@@ -1405,7 +1413,7 @@
           <a:lstStyle/>
           <a:p>
             <a:r>
-              <a:rPr lang="en-US"/>
+              <a:rPr lang="en-US" dirty="0"/>
               <a:t>Click to edit Master title style</a:t>
             </a:r>
           </a:p>
@@ -1728,8 +1736,8 @@
         </p:nvSpPr>
         <p:spPr>
           <a:xfrm>
-            <a:off x="838200" y="365125"/>
-            <a:ext cx="10515600" cy="1325563"/>
+            <a:off x="838200" y="365126"/>
+            <a:ext cx="10515600" cy="810288"/>
           </a:xfrm>
           <a:prstGeom prst="rect">
             <a:avLst/>
@@ -1766,8 +1774,8 @@
         </p:nvSpPr>
         <p:spPr>
           <a:xfrm>
-            <a:off x="838200" y="1825625"/>
-            <a:ext cx="10515600" cy="4351338"/>
+            <a:off x="838200" y="1264258"/>
+            <a:ext cx="10515600" cy="4912706"/>
           </a:xfrm>
           <a:prstGeom prst="rect">
             <a:avLst/>
@@ -1901,10 +1909,10 @@
         </p:nvGrpSpPr>
         <p:grpSpPr>
           <a:xfrm rot="10800000">
-            <a:off x="10760364" y="365125"/>
-            <a:ext cx="290946" cy="3565236"/>
-            <a:chOff x="1279236" y="2899353"/>
-            <a:chExt cx="290946" cy="3565236"/>
+            <a:off x="10760364" y="0"/>
+            <a:ext cx="290946" cy="1825625"/>
+            <a:chOff x="1279236" y="3612391"/>
+            <a:chExt cx="290946" cy="2852198"/>
           </a:xfrm>
         </p:grpSpPr>
         <p:cxnSp>
@@ -1916,13 +1924,15 @@
                 </a:ext>
               </a:extLst>
             </p:cNvPr>
-            <p:cNvCxnSpPr/>
+            <p:cNvCxnSpPr>
+              <a:cxnSpLocks/>
+            </p:cNvCxnSpPr>
             <p:nvPr userDrawn="1"/>
           </p:nvCxnSpPr>
           <p:spPr>
-            <a:xfrm>
-              <a:off x="1431636" y="2899353"/>
-              <a:ext cx="0" cy="3565236"/>
+            <a:xfrm rot="10800000" flipV="1">
+              <a:off x="1431636" y="3612391"/>
+              <a:ext cx="0" cy="2852198"/>
             </a:xfrm>
             <a:prstGeom prst="line">
               <a:avLst/>
@@ -1957,13 +1967,15 @@
                 </a:ext>
               </a:extLst>
             </p:cNvPr>
-            <p:cNvCxnSpPr/>
+            <p:cNvCxnSpPr>
+              <a:cxnSpLocks/>
+            </p:cNvCxnSpPr>
             <p:nvPr userDrawn="1"/>
           </p:nvCxnSpPr>
           <p:spPr>
-            <a:xfrm>
-              <a:off x="1279236" y="3812829"/>
-              <a:ext cx="0" cy="2651760"/>
+            <a:xfrm rot="10800000" flipV="1">
+              <a:off x="1279236" y="4178862"/>
+              <a:ext cx="0" cy="2285725"/>
             </a:xfrm>
             <a:prstGeom prst="line">
               <a:avLst/>

--- a/Test.pptx
+++ b/Test.pptx
@@ -128,12 +128,12 @@
   <pc:docChgLst>
     <pc:chgData name="Rose Campos" userId="ea77ee4111b22c87" providerId="LiveId" clId="{DB73D6CF-4F2D-473F-BD00-F334C0FE62D6}"/>
     <pc:docChg chg="undo custSel addMainMaster delMainMaster modMainMaster">
-      <pc:chgData name="Rose Campos" userId="ea77ee4111b22c87" providerId="LiveId" clId="{DB73D6CF-4F2D-473F-BD00-F334C0FE62D6}" dt="2024-04-25T14:32:39.215" v="264" actId="14100"/>
+      <pc:chgData name="Rose Campos" userId="ea77ee4111b22c87" providerId="LiveId" clId="{DB73D6CF-4F2D-473F-BD00-F334C0FE62D6}" dt="2024-04-25T15:54:57.973" v="265" actId="14100"/>
       <pc:docMkLst>
         <pc:docMk/>
       </pc:docMkLst>
       <pc:sldMasterChg chg="addSp delSp modSp mod setBg addSldLayout delSldLayout modSldLayout">
-        <pc:chgData name="Rose Campos" userId="ea77ee4111b22c87" providerId="LiveId" clId="{DB73D6CF-4F2D-473F-BD00-F334C0FE62D6}" dt="2024-04-25T14:32:39.215" v="264" actId="14100"/>
+        <pc:chgData name="Rose Campos" userId="ea77ee4111b22c87" providerId="LiveId" clId="{DB73D6CF-4F2D-473F-BD00-F334C0FE62D6}" dt="2024-04-25T15:54:57.973" v="265" actId="14100"/>
         <pc:sldMasterMkLst>
           <pc:docMk/>
           <pc:sldMasterMk cId="1759527136" sldId="2147483648"/>
@@ -203,7 +203,7 @@
           </ac:grpSpMkLst>
         </pc:grpChg>
         <pc:grpChg chg="add mod">
-          <ac:chgData name="Rose Campos" userId="ea77ee4111b22c87" providerId="LiveId" clId="{DB73D6CF-4F2D-473F-BD00-F334C0FE62D6}" dt="2024-04-25T13:00:41.181" v="258" actId="14100"/>
+          <ac:chgData name="Rose Campos" userId="ea77ee4111b22c87" providerId="LiveId" clId="{DB73D6CF-4F2D-473F-BD00-F334C0FE62D6}" dt="2024-04-25T15:54:57.973" v="265" actId="14100"/>
           <ac:grpSpMkLst>
             <pc:docMk/>
             <pc:sldMasterMk cId="1759527136" sldId="2147483648"/>
@@ -1909,8 +1909,8 @@
         </p:nvGrpSpPr>
         <p:grpSpPr>
           <a:xfrm rot="10800000">
-            <a:off x="10760364" y="0"/>
-            <a:ext cx="290946" cy="1825625"/>
+            <a:off x="10760364" y="-1"/>
+            <a:ext cx="290946" cy="1359673"/>
             <a:chOff x="1279236" y="3612391"/>
             <a:chExt cx="290946" cy="2852198"/>
           </a:xfrm>
